--- a/Documentation/Game Plan.pptx
+++ b/Documentation/Game Plan.pptx
@@ -489,7 +489,7 @@
             <a:fld id="{B61BEF0D-F0BB-DE4B-95CE-6DB70DBA9567}" type="datetimeFigureOut">
               <a:rPr lang="en-US" smtClean="0"/>
               <a:pPr/>
-              <a:t>6/27/15</a:t>
+              <a:t>6/28/15</a:t>
             </a:fld>
             <a:endParaRPr lang="en-US" dirty="0"/>
           </a:p>
@@ -738,7 +738,7 @@
             <a:fld id="{B61BEF0D-F0BB-DE4B-95CE-6DB70DBA9567}" type="datetimeFigureOut">
               <a:rPr lang="en-US" smtClean="0"/>
               <a:pPr/>
-              <a:t>6/27/15</a:t>
+              <a:t>6/28/15</a:t>
             </a:fld>
             <a:endParaRPr lang="en-US" dirty="0"/>
           </a:p>
@@ -1126,7 +1126,7 @@
             <a:fld id="{B61BEF0D-F0BB-DE4B-95CE-6DB70DBA9567}" type="datetimeFigureOut">
               <a:rPr lang="en-US" smtClean="0"/>
               <a:pPr/>
-              <a:t>6/27/15</a:t>
+              <a:t>6/28/15</a:t>
             </a:fld>
             <a:endParaRPr lang="en-US" dirty="0"/>
           </a:p>
@@ -1357,7 +1357,7 @@
             <a:fld id="{B61BEF0D-F0BB-DE4B-95CE-6DB70DBA9567}" type="datetimeFigureOut">
               <a:rPr lang="en-US" smtClean="0"/>
               <a:pPr/>
-              <a:t>6/27/15</a:t>
+              <a:t>6/28/15</a:t>
             </a:fld>
             <a:endParaRPr lang="en-US" dirty="0"/>
           </a:p>
@@ -1850,7 +1850,7 @@
             <a:fld id="{B61BEF0D-F0BB-DE4B-95CE-6DB70DBA9567}" type="datetimeFigureOut">
               <a:rPr lang="en-US" smtClean="0"/>
               <a:pPr/>
-              <a:t>6/27/15</a:t>
+              <a:t>6/28/15</a:t>
             </a:fld>
             <a:endParaRPr lang="en-US" dirty="0"/>
           </a:p>
@@ -2162,7 +2162,7 @@
             <a:fld id="{B61BEF0D-F0BB-DE4B-95CE-6DB70DBA9567}" type="datetimeFigureOut">
               <a:rPr lang="en-US" smtClean="0"/>
               <a:pPr/>
-              <a:t>6/27/15</a:t>
+              <a:t>6/28/15</a:t>
             </a:fld>
             <a:endParaRPr lang="en-US" dirty="0"/>
           </a:p>
@@ -2560,7 +2560,7 @@
             <a:fld id="{B61BEF0D-F0BB-DE4B-95CE-6DB70DBA9567}" type="datetimeFigureOut">
               <a:rPr lang="en-US" smtClean="0"/>
               <a:pPr/>
-              <a:t>6/27/15</a:t>
+              <a:t>6/28/15</a:t>
             </a:fld>
             <a:endParaRPr lang="en-US" dirty="0"/>
           </a:p>
@@ -2685,7 +2685,7 @@
             <a:fld id="{B61BEF0D-F0BB-DE4B-95CE-6DB70DBA9567}" type="datetimeFigureOut">
               <a:rPr lang="en-US" smtClean="0"/>
               <a:pPr/>
-              <a:t>6/27/15</a:t>
+              <a:t>6/28/15</a:t>
             </a:fld>
             <a:endParaRPr lang="en-US" dirty="0"/>
           </a:p>
@@ -2782,7 +2782,7 @@
             <a:fld id="{B61BEF0D-F0BB-DE4B-95CE-6DB70DBA9567}" type="datetimeFigureOut">
               <a:rPr lang="en-US" smtClean="0"/>
               <a:pPr/>
-              <a:t>6/27/15</a:t>
+              <a:t>6/28/15</a:t>
             </a:fld>
             <a:endParaRPr lang="en-US" dirty="0"/>
           </a:p>
@@ -3084,7 +3084,7 @@
             <a:fld id="{B61BEF0D-F0BB-DE4B-95CE-6DB70DBA9567}" type="datetimeFigureOut">
               <a:rPr lang="en-US" smtClean="0"/>
               <a:pPr/>
-              <a:t>6/27/15</a:t>
+              <a:t>6/28/15</a:t>
             </a:fld>
             <a:endParaRPr lang="en-US" dirty="0"/>
           </a:p>
@@ -3356,7 +3356,7 @@
             <a:fld id="{B61BEF0D-F0BB-DE4B-95CE-6DB70DBA9567}" type="datetimeFigureOut">
               <a:rPr lang="en-US" smtClean="0"/>
               <a:pPr/>
-              <a:t>6/27/15</a:t>
+              <a:t>6/28/15</a:t>
             </a:fld>
             <a:endParaRPr lang="en-US" dirty="0"/>
           </a:p>
@@ -3776,7 +3776,7 @@
             <a:fld id="{B61BEF0D-F0BB-DE4B-95CE-6DB70DBA9567}" type="datetimeFigureOut">
               <a:rPr lang="en-US" smtClean="0"/>
               <a:pPr/>
-              <a:t>6/27/15</a:t>
+              <a:t>6/28/15</a:t>
             </a:fld>
             <a:endParaRPr lang="en-US" dirty="0"/>
           </a:p>
@@ -7182,7 +7182,7 @@
               <a:buChar char="•"/>
             </a:pPr>
             <a:r>
-              <a:rPr lang="en-US" sz="2000" i="0" dirty="0" smtClean="0">
+              <a:rPr lang="en-US" sz="2000" i="0" smtClean="0">
                 <a:solidFill>
                   <a:srgbClr val="383F4C"/>
                 </a:solidFill>
@@ -7190,7 +7190,29 @@
                 <a:ea typeface="Lato Light" charset="0"/>
                 <a:cs typeface="Lato Light" charset="0"/>
               </a:rPr>
-              <a:t>Rebellious Programming	</a:t>
+              <a:t>Rebellious </a:t>
+            </a:r>
+            <a:r>
+              <a:rPr lang="en-US" sz="2000" i="0" smtClean="0">
+                <a:solidFill>
+                  <a:srgbClr val="383F4C"/>
+                </a:solidFill>
+                <a:latin typeface="Lato Light" charset="0"/>
+                <a:ea typeface="Lato Light" charset="0"/>
+                <a:cs typeface="Lato Light" charset="0"/>
+              </a:rPr>
+              <a:t>Programmer</a:t>
+            </a:r>
+            <a:r>
+              <a:rPr lang="en-US" sz="2000" i="0" dirty="0" smtClean="0">
+                <a:solidFill>
+                  <a:srgbClr val="383F4C"/>
+                </a:solidFill>
+                <a:latin typeface="Lato Light" charset="0"/>
+                <a:ea typeface="Lato Light" charset="0"/>
+                <a:cs typeface="Lato Light" charset="0"/>
+              </a:rPr>
+              <a:t>	</a:t>
             </a:r>
           </a:p>
           <a:p>

--- a/Documentation/Game Plan.pptx
+++ b/Documentation/Game Plan.pptx
@@ -4,11 +4,14 @@
   <p:sldMasterIdLst>
     <p:sldMasterId id="2147484236" r:id="rId1"/>
   </p:sldMasterIdLst>
+  <p:notesMasterIdLst>
+    <p:notesMasterId r:id="rId12"/>
+  </p:notesMasterIdLst>
   <p:sldIdLst>
     <p:sldId id="256" r:id="rId2"/>
     <p:sldId id="257" r:id="rId3"/>
-    <p:sldId id="260" r:id="rId4"/>
-    <p:sldId id="259" r:id="rId5"/>
+    <p:sldId id="259" r:id="rId4"/>
+    <p:sldId id="260" r:id="rId5"/>
     <p:sldId id="261" r:id="rId6"/>
     <p:sldId id="262" r:id="rId7"/>
     <p:sldId id="264" r:id="rId8"/>
@@ -121,6 +124,440 @@
 </p:presentation>
 </file>
 
+<file path=ppt/notesMasters/notesMaster1.xml><?xml version="1.0" encoding="utf-8"?>
+<p:notesMaster xmlns:a="http://schemas.openxmlformats.org/drawingml/2006/main" xmlns:r="http://schemas.openxmlformats.org/officeDocument/2006/relationships" xmlns:p="http://schemas.openxmlformats.org/presentationml/2006/main">
+  <p:cSld>
+    <p:bg>
+      <p:bgRef idx="1001">
+        <a:schemeClr val="bg1"/>
+      </p:bgRef>
+    </p:bg>
+    <p:spTree>
+      <p:nvGrpSpPr>
+        <p:cNvPr id="1" name=""/>
+        <p:cNvGrpSpPr/>
+        <p:nvPr/>
+      </p:nvGrpSpPr>
+      <p:grpSpPr>
+        <a:xfrm>
+          <a:off x="0" y="0"/>
+          <a:ext cx="0" cy="0"/>
+          <a:chOff x="0" y="0"/>
+          <a:chExt cx="0" cy="0"/>
+        </a:xfrm>
+      </p:grpSpPr>
+      <p:sp>
+        <p:nvSpPr>
+          <p:cNvPr id="2" name="Header Placeholder 1"/>
+          <p:cNvSpPr>
+            <a:spLocks noGrp="1"/>
+          </p:cNvSpPr>
+          <p:nvPr>
+            <p:ph type="hdr" sz="quarter"/>
+          </p:nvPr>
+        </p:nvSpPr>
+        <p:spPr>
+          <a:xfrm>
+            <a:off x="0" y="0"/>
+            <a:ext cx="2971800" cy="458788"/>
+          </a:xfrm>
+          <a:prstGeom prst="rect">
+            <a:avLst/>
+          </a:prstGeom>
+        </p:spPr>
+        <p:txBody>
+          <a:bodyPr vert="horz" lIns="91440" tIns="45720" rIns="91440" bIns="45720" rtlCol="0"/>
+          <a:lstStyle>
+            <a:lvl1pPr algn="l">
+              <a:defRPr sz="1200"/>
+            </a:lvl1pPr>
+          </a:lstStyle>
+          <a:p>
+            <a:endParaRPr lang="en-US"/>
+          </a:p>
+        </p:txBody>
+      </p:sp>
+      <p:sp>
+        <p:nvSpPr>
+          <p:cNvPr id="3" name="Date Placeholder 2"/>
+          <p:cNvSpPr>
+            <a:spLocks noGrp="1"/>
+          </p:cNvSpPr>
+          <p:nvPr>
+            <p:ph type="dt" idx="1"/>
+          </p:nvPr>
+        </p:nvSpPr>
+        <p:spPr>
+          <a:xfrm>
+            <a:off x="3884613" y="0"/>
+            <a:ext cx="2971800" cy="458788"/>
+          </a:xfrm>
+          <a:prstGeom prst="rect">
+            <a:avLst/>
+          </a:prstGeom>
+        </p:spPr>
+        <p:txBody>
+          <a:bodyPr vert="horz" lIns="91440" tIns="45720" rIns="91440" bIns="45720" rtlCol="0"/>
+          <a:lstStyle>
+            <a:lvl1pPr algn="r">
+              <a:defRPr sz="1200"/>
+            </a:lvl1pPr>
+          </a:lstStyle>
+          <a:p>
+            <a:fld id="{C4D0877C-29B4-1C4D-BC01-74F18F93707B}" type="datetimeFigureOut">
+              <a:rPr lang="en-US" smtClean="0"/>
+              <a:t>7/3/15</a:t>
+            </a:fld>
+            <a:endParaRPr lang="en-US"/>
+          </a:p>
+        </p:txBody>
+      </p:sp>
+      <p:sp>
+        <p:nvSpPr>
+          <p:cNvPr id="4" name="Slide Image Placeholder 3"/>
+          <p:cNvSpPr>
+            <a:spLocks noGrp="1" noRot="1" noChangeAspect="1"/>
+          </p:cNvSpPr>
+          <p:nvPr>
+            <p:ph type="sldImg" idx="2"/>
+          </p:nvPr>
+        </p:nvSpPr>
+        <p:spPr>
+          <a:xfrm>
+            <a:off x="685800" y="1143000"/>
+            <a:ext cx="5486400" cy="3086100"/>
+          </a:xfrm>
+          <a:prstGeom prst="rect">
+            <a:avLst/>
+          </a:prstGeom>
+          <a:noFill/>
+          <a:ln w="12700">
+            <a:solidFill>
+              <a:prstClr val="black"/>
+            </a:solidFill>
+          </a:ln>
+        </p:spPr>
+        <p:txBody>
+          <a:bodyPr vert="horz" lIns="91440" tIns="45720" rIns="91440" bIns="45720" rtlCol="0" anchor="ctr"/>
+          <a:lstStyle/>
+          <a:p>
+            <a:endParaRPr lang="en-US"/>
+          </a:p>
+        </p:txBody>
+      </p:sp>
+      <p:sp>
+        <p:nvSpPr>
+          <p:cNvPr id="5" name="Notes Placeholder 4"/>
+          <p:cNvSpPr>
+            <a:spLocks noGrp="1"/>
+          </p:cNvSpPr>
+          <p:nvPr>
+            <p:ph type="body" sz="quarter" idx="3"/>
+          </p:nvPr>
+        </p:nvSpPr>
+        <p:spPr>
+          <a:xfrm>
+            <a:off x="685800" y="4400550"/>
+            <a:ext cx="5486400" cy="3600450"/>
+          </a:xfrm>
+          <a:prstGeom prst="rect">
+            <a:avLst/>
+          </a:prstGeom>
+        </p:spPr>
+        <p:txBody>
+          <a:bodyPr vert="horz" lIns="91440" tIns="45720" rIns="91440" bIns="45720" rtlCol="0"/>
+          <a:lstStyle/>
+          <a:p>
+            <a:pPr lvl="0"/>
+            <a:r>
+              <a:rPr lang="en-US" smtClean="0"/>
+              <a:t>Click to edit Master text styles</a:t>
+            </a:r>
+          </a:p>
+          <a:p>
+            <a:pPr lvl="1"/>
+            <a:r>
+              <a:rPr lang="en-US" smtClean="0"/>
+              <a:t>Second level</a:t>
+            </a:r>
+          </a:p>
+          <a:p>
+            <a:pPr lvl="2"/>
+            <a:r>
+              <a:rPr lang="en-US" smtClean="0"/>
+              <a:t>Third level</a:t>
+            </a:r>
+          </a:p>
+          <a:p>
+            <a:pPr lvl="3"/>
+            <a:r>
+              <a:rPr lang="en-US" smtClean="0"/>
+              <a:t>Fourth level</a:t>
+            </a:r>
+          </a:p>
+          <a:p>
+            <a:pPr lvl="4"/>
+            <a:r>
+              <a:rPr lang="en-US" smtClean="0"/>
+              <a:t>Fifth level</a:t>
+            </a:r>
+            <a:endParaRPr lang="en-US"/>
+          </a:p>
+        </p:txBody>
+      </p:sp>
+      <p:sp>
+        <p:nvSpPr>
+          <p:cNvPr id="6" name="Footer Placeholder 5"/>
+          <p:cNvSpPr>
+            <a:spLocks noGrp="1"/>
+          </p:cNvSpPr>
+          <p:nvPr>
+            <p:ph type="ftr" sz="quarter" idx="4"/>
+          </p:nvPr>
+        </p:nvSpPr>
+        <p:spPr>
+          <a:xfrm>
+            <a:off x="0" y="8685213"/>
+            <a:ext cx="2971800" cy="458787"/>
+          </a:xfrm>
+          <a:prstGeom prst="rect">
+            <a:avLst/>
+          </a:prstGeom>
+        </p:spPr>
+        <p:txBody>
+          <a:bodyPr vert="horz" lIns="91440" tIns="45720" rIns="91440" bIns="45720" rtlCol="0" anchor="b"/>
+          <a:lstStyle>
+            <a:lvl1pPr algn="l">
+              <a:defRPr sz="1200"/>
+            </a:lvl1pPr>
+          </a:lstStyle>
+          <a:p>
+            <a:endParaRPr lang="en-US"/>
+          </a:p>
+        </p:txBody>
+      </p:sp>
+      <p:sp>
+        <p:nvSpPr>
+          <p:cNvPr id="7" name="Slide Number Placeholder 6"/>
+          <p:cNvSpPr>
+            <a:spLocks noGrp="1"/>
+          </p:cNvSpPr>
+          <p:nvPr>
+            <p:ph type="sldNum" sz="quarter" idx="5"/>
+          </p:nvPr>
+        </p:nvSpPr>
+        <p:spPr>
+          <a:xfrm>
+            <a:off x="3884613" y="8685213"/>
+            <a:ext cx="2971800" cy="458787"/>
+          </a:xfrm>
+          <a:prstGeom prst="rect">
+            <a:avLst/>
+          </a:prstGeom>
+        </p:spPr>
+        <p:txBody>
+          <a:bodyPr vert="horz" lIns="91440" tIns="45720" rIns="91440" bIns="45720" rtlCol="0" anchor="b"/>
+          <a:lstStyle>
+            <a:lvl1pPr algn="r">
+              <a:defRPr sz="1200"/>
+            </a:lvl1pPr>
+          </a:lstStyle>
+          <a:p>
+            <a:fld id="{D2BB469C-9F7C-E846-A2B9-FBDCFB722459}" type="slidenum">
+              <a:rPr lang="en-US" smtClean="0"/>
+              <a:t>‹#›</a:t>
+            </a:fld>
+            <a:endParaRPr lang="en-US"/>
+          </a:p>
+        </p:txBody>
+      </p:sp>
+    </p:spTree>
+    <p:extLst>
+      <p:ext uri="{BB962C8B-B14F-4D97-AF65-F5344CB8AC3E}">
+        <p14:creationId xmlns:p14="http://schemas.microsoft.com/office/powerpoint/2010/main" val="124666328"/>
+      </p:ext>
+    </p:extLst>
+  </p:cSld>
+  <p:clrMap bg1="lt1" tx1="dk1" bg2="lt2" tx2="dk2" accent1="accent1" accent2="accent2" accent3="accent3" accent4="accent4" accent5="accent5" accent6="accent6" hlink="hlink" folHlink="folHlink"/>
+  <p:notesStyle>
+    <a:lvl1pPr marL="0" algn="l" defTabSz="914400" rtl="0" eaLnBrk="1" latinLnBrk="0" hangingPunct="1">
+      <a:defRPr sz="1200" kern="1200">
+        <a:solidFill>
+          <a:schemeClr val="tx1"/>
+        </a:solidFill>
+        <a:latin typeface="+mn-lt"/>
+        <a:ea typeface="+mn-ea"/>
+        <a:cs typeface="+mn-cs"/>
+      </a:defRPr>
+    </a:lvl1pPr>
+    <a:lvl2pPr marL="457200" algn="l" defTabSz="914400" rtl="0" eaLnBrk="1" latinLnBrk="0" hangingPunct="1">
+      <a:defRPr sz="1200" kern="1200">
+        <a:solidFill>
+          <a:schemeClr val="tx1"/>
+        </a:solidFill>
+        <a:latin typeface="+mn-lt"/>
+        <a:ea typeface="+mn-ea"/>
+        <a:cs typeface="+mn-cs"/>
+      </a:defRPr>
+    </a:lvl2pPr>
+    <a:lvl3pPr marL="914400" algn="l" defTabSz="914400" rtl="0" eaLnBrk="1" latinLnBrk="0" hangingPunct="1">
+      <a:defRPr sz="1200" kern="1200">
+        <a:solidFill>
+          <a:schemeClr val="tx1"/>
+        </a:solidFill>
+        <a:latin typeface="+mn-lt"/>
+        <a:ea typeface="+mn-ea"/>
+        <a:cs typeface="+mn-cs"/>
+      </a:defRPr>
+    </a:lvl3pPr>
+    <a:lvl4pPr marL="1371600" algn="l" defTabSz="914400" rtl="0" eaLnBrk="1" latinLnBrk="0" hangingPunct="1">
+      <a:defRPr sz="1200" kern="1200">
+        <a:solidFill>
+          <a:schemeClr val="tx1"/>
+        </a:solidFill>
+        <a:latin typeface="+mn-lt"/>
+        <a:ea typeface="+mn-ea"/>
+        <a:cs typeface="+mn-cs"/>
+      </a:defRPr>
+    </a:lvl4pPr>
+    <a:lvl5pPr marL="1828800" algn="l" defTabSz="914400" rtl="0" eaLnBrk="1" latinLnBrk="0" hangingPunct="1">
+      <a:defRPr sz="1200" kern="1200">
+        <a:solidFill>
+          <a:schemeClr val="tx1"/>
+        </a:solidFill>
+        <a:latin typeface="+mn-lt"/>
+        <a:ea typeface="+mn-ea"/>
+        <a:cs typeface="+mn-cs"/>
+      </a:defRPr>
+    </a:lvl5pPr>
+    <a:lvl6pPr marL="2286000" algn="l" defTabSz="914400" rtl="0" eaLnBrk="1" latinLnBrk="0" hangingPunct="1">
+      <a:defRPr sz="1200" kern="1200">
+        <a:solidFill>
+          <a:schemeClr val="tx1"/>
+        </a:solidFill>
+        <a:latin typeface="+mn-lt"/>
+        <a:ea typeface="+mn-ea"/>
+        <a:cs typeface="+mn-cs"/>
+      </a:defRPr>
+    </a:lvl6pPr>
+    <a:lvl7pPr marL="2743200" algn="l" defTabSz="914400" rtl="0" eaLnBrk="1" latinLnBrk="0" hangingPunct="1">
+      <a:defRPr sz="1200" kern="1200">
+        <a:solidFill>
+          <a:schemeClr val="tx1"/>
+        </a:solidFill>
+        <a:latin typeface="+mn-lt"/>
+        <a:ea typeface="+mn-ea"/>
+        <a:cs typeface="+mn-cs"/>
+      </a:defRPr>
+    </a:lvl7pPr>
+    <a:lvl8pPr marL="3200400" algn="l" defTabSz="914400" rtl="0" eaLnBrk="1" latinLnBrk="0" hangingPunct="1">
+      <a:defRPr sz="1200" kern="1200">
+        <a:solidFill>
+          <a:schemeClr val="tx1"/>
+        </a:solidFill>
+        <a:latin typeface="+mn-lt"/>
+        <a:ea typeface="+mn-ea"/>
+        <a:cs typeface="+mn-cs"/>
+      </a:defRPr>
+    </a:lvl8pPr>
+    <a:lvl9pPr marL="3657600" algn="l" defTabSz="914400" rtl="0" eaLnBrk="1" latinLnBrk="0" hangingPunct="1">
+      <a:defRPr sz="1200" kern="1200">
+        <a:solidFill>
+          <a:schemeClr val="tx1"/>
+        </a:solidFill>
+        <a:latin typeface="+mn-lt"/>
+        <a:ea typeface="+mn-ea"/>
+        <a:cs typeface="+mn-cs"/>
+      </a:defRPr>
+    </a:lvl9pPr>
+  </p:notesStyle>
+</p:notesMaster>
+</file>
+
+<file path=ppt/notesSlides/notesSlide1.xml><?xml version="1.0" encoding="utf-8"?>
+<p:notes xmlns:a="http://schemas.openxmlformats.org/drawingml/2006/main" xmlns:r="http://schemas.openxmlformats.org/officeDocument/2006/relationships" xmlns:p="http://schemas.openxmlformats.org/presentationml/2006/main">
+  <p:cSld>
+    <p:spTree>
+      <p:nvGrpSpPr>
+        <p:cNvPr id="1" name=""/>
+        <p:cNvGrpSpPr/>
+        <p:nvPr/>
+      </p:nvGrpSpPr>
+      <p:grpSpPr>
+        <a:xfrm>
+          <a:off x="0" y="0"/>
+          <a:ext cx="0" cy="0"/>
+          <a:chOff x="0" y="0"/>
+          <a:chExt cx="0" cy="0"/>
+        </a:xfrm>
+      </p:grpSpPr>
+      <p:sp>
+        <p:nvSpPr>
+          <p:cNvPr id="2" name="Slide Image Placeholder 1"/>
+          <p:cNvSpPr>
+            <a:spLocks noGrp="1" noRot="1" noChangeAspect="1"/>
+          </p:cNvSpPr>
+          <p:nvPr>
+            <p:ph type="sldImg"/>
+          </p:nvPr>
+        </p:nvSpPr>
+        <p:spPr/>
+      </p:sp>
+      <p:sp>
+        <p:nvSpPr>
+          <p:cNvPr id="3" name="Notes Placeholder 2"/>
+          <p:cNvSpPr>
+            <a:spLocks noGrp="1"/>
+          </p:cNvSpPr>
+          <p:nvPr>
+            <p:ph type="body" idx="1"/>
+          </p:nvPr>
+        </p:nvSpPr>
+        <p:spPr/>
+        <p:txBody>
+          <a:bodyPr/>
+          <a:lstStyle/>
+          <a:p>
+            <a:endParaRPr lang="en-US" dirty="0"/>
+          </a:p>
+        </p:txBody>
+      </p:sp>
+      <p:sp>
+        <p:nvSpPr>
+          <p:cNvPr id="4" name="Slide Number Placeholder 3"/>
+          <p:cNvSpPr>
+            <a:spLocks noGrp="1"/>
+          </p:cNvSpPr>
+          <p:nvPr>
+            <p:ph type="sldNum" sz="quarter" idx="10"/>
+          </p:nvPr>
+        </p:nvSpPr>
+        <p:spPr/>
+        <p:txBody>
+          <a:bodyPr/>
+          <a:lstStyle/>
+          <a:p>
+            <a:fld id="{D2BB469C-9F7C-E846-A2B9-FBDCFB722459}" type="slidenum">
+              <a:rPr lang="en-US" smtClean="0"/>
+              <a:t>2</a:t>
+            </a:fld>
+            <a:endParaRPr lang="en-US"/>
+          </a:p>
+        </p:txBody>
+      </p:sp>
+    </p:spTree>
+    <p:extLst>
+      <p:ext uri="{BB962C8B-B14F-4D97-AF65-F5344CB8AC3E}">
+        <p14:creationId xmlns:p14="http://schemas.microsoft.com/office/powerpoint/2010/main" val="1910300925"/>
+      </p:ext>
+    </p:extLst>
+  </p:cSld>
+  <p:clrMapOvr>
+    <a:masterClrMapping/>
+  </p:clrMapOvr>
+</p:notes>
+</file>
+
 <file path=ppt/slideLayouts/slideLayout1.xml><?xml version="1.0" encoding="utf-8"?>
 <p:sldLayout xmlns:a="http://schemas.openxmlformats.org/drawingml/2006/main" xmlns:r="http://schemas.openxmlformats.org/officeDocument/2006/relationships" xmlns:p="http://schemas.openxmlformats.org/presentationml/2006/main" showMasterSp="0" type="title" preserve="1">
   <p:cSld name="Title Slide">
@@ -489,7 +926,7 @@
             <a:fld id="{B61BEF0D-F0BB-DE4B-95CE-6DB70DBA9567}" type="datetimeFigureOut">
               <a:rPr lang="en-US" smtClean="0"/>
               <a:pPr/>
-              <a:t>6/28/15</a:t>
+              <a:t>7/3/15</a:t>
             </a:fld>
             <a:endParaRPr lang="en-US" dirty="0"/>
           </a:p>
@@ -738,7 +1175,7 @@
             <a:fld id="{B61BEF0D-F0BB-DE4B-95CE-6DB70DBA9567}" type="datetimeFigureOut">
               <a:rPr lang="en-US" smtClean="0"/>
               <a:pPr/>
-              <a:t>6/28/15</a:t>
+              <a:t>7/3/15</a:t>
             </a:fld>
             <a:endParaRPr lang="en-US" dirty="0"/>
           </a:p>
@@ -1126,7 +1563,7 @@
             <a:fld id="{B61BEF0D-F0BB-DE4B-95CE-6DB70DBA9567}" type="datetimeFigureOut">
               <a:rPr lang="en-US" smtClean="0"/>
               <a:pPr/>
-              <a:t>6/28/15</a:t>
+              <a:t>7/3/15</a:t>
             </a:fld>
             <a:endParaRPr lang="en-US" dirty="0"/>
           </a:p>
@@ -1357,7 +1794,7 @@
             <a:fld id="{B61BEF0D-F0BB-DE4B-95CE-6DB70DBA9567}" type="datetimeFigureOut">
               <a:rPr lang="en-US" smtClean="0"/>
               <a:pPr/>
-              <a:t>6/28/15</a:t>
+              <a:t>7/3/15</a:t>
             </a:fld>
             <a:endParaRPr lang="en-US" dirty="0"/>
           </a:p>
@@ -1850,7 +2287,7 @@
             <a:fld id="{B61BEF0D-F0BB-DE4B-95CE-6DB70DBA9567}" type="datetimeFigureOut">
               <a:rPr lang="en-US" smtClean="0"/>
               <a:pPr/>
-              <a:t>6/28/15</a:t>
+              <a:t>7/3/15</a:t>
             </a:fld>
             <a:endParaRPr lang="en-US" dirty="0"/>
           </a:p>
@@ -2162,7 +2599,7 @@
             <a:fld id="{B61BEF0D-F0BB-DE4B-95CE-6DB70DBA9567}" type="datetimeFigureOut">
               <a:rPr lang="en-US" smtClean="0"/>
               <a:pPr/>
-              <a:t>6/28/15</a:t>
+              <a:t>7/3/15</a:t>
             </a:fld>
             <a:endParaRPr lang="en-US" dirty="0"/>
           </a:p>
@@ -2560,7 +2997,7 @@
             <a:fld id="{B61BEF0D-F0BB-DE4B-95CE-6DB70DBA9567}" type="datetimeFigureOut">
               <a:rPr lang="en-US" smtClean="0"/>
               <a:pPr/>
-              <a:t>6/28/15</a:t>
+              <a:t>7/3/15</a:t>
             </a:fld>
             <a:endParaRPr lang="en-US" dirty="0"/>
           </a:p>
@@ -2685,7 +3122,7 @@
             <a:fld id="{B61BEF0D-F0BB-DE4B-95CE-6DB70DBA9567}" type="datetimeFigureOut">
               <a:rPr lang="en-US" smtClean="0"/>
               <a:pPr/>
-              <a:t>6/28/15</a:t>
+              <a:t>7/3/15</a:t>
             </a:fld>
             <a:endParaRPr lang="en-US" dirty="0"/>
           </a:p>
@@ -2782,7 +3219,7 @@
             <a:fld id="{B61BEF0D-F0BB-DE4B-95CE-6DB70DBA9567}" type="datetimeFigureOut">
               <a:rPr lang="en-US" smtClean="0"/>
               <a:pPr/>
-              <a:t>6/28/15</a:t>
+              <a:t>7/3/15</a:t>
             </a:fld>
             <a:endParaRPr lang="en-US" dirty="0"/>
           </a:p>
@@ -3084,7 +3521,7 @@
             <a:fld id="{B61BEF0D-F0BB-DE4B-95CE-6DB70DBA9567}" type="datetimeFigureOut">
               <a:rPr lang="en-US" smtClean="0"/>
               <a:pPr/>
-              <a:t>6/28/15</a:t>
+              <a:t>7/3/15</a:t>
             </a:fld>
             <a:endParaRPr lang="en-US" dirty="0"/>
           </a:p>
@@ -3356,7 +3793,7 @@
             <a:fld id="{B61BEF0D-F0BB-DE4B-95CE-6DB70DBA9567}" type="datetimeFigureOut">
               <a:rPr lang="en-US" smtClean="0"/>
               <a:pPr/>
-              <a:t>6/28/15</a:t>
+              <a:t>7/3/15</a:t>
             </a:fld>
             <a:endParaRPr lang="en-US" dirty="0"/>
           </a:p>
@@ -3776,7 +4213,7 @@
             <a:fld id="{B61BEF0D-F0BB-DE4B-95CE-6DB70DBA9567}" type="datetimeFigureOut">
               <a:rPr lang="en-US" smtClean="0"/>
               <a:pPr/>
-              <a:t>6/28/15</a:t>
+              <a:t>7/3/15</a:t>
             </a:fld>
             <a:endParaRPr lang="en-US" dirty="0"/>
           </a:p>
@@ -4386,6 +4823,16 @@
               </a:rPr>
               <a:t>Memory</a:t>
             </a:r>
+            <a:br>
+              <a:rPr lang="en-US" sz="8000" b="1" i="0" cap="none" dirty="0" smtClean="0">
+                <a:solidFill>
+                  <a:srgbClr val="CCD0D8"/>
+                </a:solidFill>
+                <a:latin typeface="Lato" charset="0"/>
+                <a:ea typeface="Lato" charset="0"/>
+                <a:cs typeface="Lato" charset="0"/>
+              </a:rPr>
+            </a:br>
             <a:endParaRPr lang="en-US" sz="8000" b="1" i="0" cap="none" dirty="0">
               <a:solidFill>
                 <a:srgbClr val="CCD0D8"/>
@@ -4493,8 +4940,8 @@
         </p:nvSpPr>
         <p:spPr>
           <a:xfrm>
-            <a:off x="1088912" y="1143293"/>
-            <a:ext cx="7377755" cy="1179283"/>
+            <a:off x="1088912" y="1143294"/>
+            <a:ext cx="7377755" cy="1166770"/>
           </a:xfrm>
         </p:spPr>
         <p:txBody>
@@ -4504,7 +4951,7 @@
           <a:lstStyle/>
           <a:p>
             <a:r>
-              <a:rPr lang="en-US" sz="8000" b="1" i="0" cap="none" dirty="0" smtClean="0">
+              <a:rPr lang="en-US" sz="8000" b="1" i="0" cap="none" smtClean="0">
                 <a:solidFill>
                   <a:srgbClr val="F3F4F8"/>
                 </a:solidFill>
@@ -4512,15 +4959,26 @@
                 <a:ea typeface="Lato" charset="0"/>
                 <a:cs typeface="Lato" charset="0"/>
               </a:rPr>
-              <a:t>Thank you</a:t>
-            </a:r>
-            <a:endParaRPr lang="en-US" sz="8000" b="1" i="0" cap="none" dirty="0">
+              <a:t>Thank </a:t>
+            </a:r>
+            <a:r>
+              <a:rPr lang="en-US" sz="8000" b="1" i="0" cap="none" smtClean="0">
+                <a:solidFill>
+                  <a:srgbClr val="F3F4F8"/>
+                </a:solidFill>
+                <a:latin typeface="Lato" charset="0"/>
+                <a:ea typeface="Lato" charset="0"/>
+                <a:cs typeface="Lato" charset="0"/>
+              </a:rPr>
+              <a:t>you</a:t>
+            </a:r>
+            <a:endParaRPr lang="en-US" sz="2000" cap="none" dirty="0">
               <a:solidFill>
                 <a:srgbClr val="F3F4F8"/>
               </a:solidFill>
-              <a:latin typeface="Lato" charset="0"/>
-              <a:ea typeface="Lato" charset="0"/>
-              <a:cs typeface="Lato" charset="0"/>
+              <a:latin typeface="Lato Light" charset="0"/>
+              <a:ea typeface="Lato Light" charset="0"/>
+              <a:cs typeface="Lato Light" charset="0"/>
             </a:endParaRPr>
           </a:p>
         </p:txBody>
@@ -4652,6 +5110,114 @@
             <a:endParaRPr lang="en-US" sz="3000" i="0" dirty="0">
               <a:solidFill>
                 <a:srgbClr val="B2C89E"/>
+              </a:solidFill>
+              <a:latin typeface="Lato Light" charset="0"/>
+              <a:ea typeface="Lato Light" charset="0"/>
+              <a:cs typeface="Lato Light" charset="0"/>
+            </a:endParaRPr>
+          </a:p>
+        </p:txBody>
+      </p:sp>
+      <p:pic>
+        <p:nvPicPr>
+          <p:cNvPr id="5" name="Picture 4"/>
+          <p:cNvPicPr>
+            <a:picLocks noChangeAspect="1"/>
+          </p:cNvPicPr>
+          <p:nvPr/>
+        </p:nvPicPr>
+        <p:blipFill>
+          <a:blip r:embed="rId2">
+            <a:extLst>
+              <a:ext uri="{28A0092B-C50C-407E-A947-70E740481C1C}">
+                <a14:useLocalDpi xmlns:a14="http://schemas.microsoft.com/office/drawing/2010/main" val="0"/>
+              </a:ext>
+            </a:extLst>
+          </a:blip>
+          <a:stretch>
+            <a:fillRect/>
+          </a:stretch>
+        </p:blipFill>
+        <p:spPr>
+          <a:xfrm>
+            <a:off x="11646290" y="6298841"/>
+            <a:ext cx="417374" cy="419046"/>
+          </a:xfrm>
+          <a:prstGeom prst="rect">
+            <a:avLst/>
+          </a:prstGeom>
+          <a:noFill/>
+        </p:spPr>
+      </p:pic>
+      <p:sp>
+        <p:nvSpPr>
+          <p:cNvPr id="6" name="TextBox 5"/>
+          <p:cNvSpPr txBox="1"/>
+          <p:nvPr/>
+        </p:nvSpPr>
+        <p:spPr>
+          <a:xfrm>
+            <a:off x="8267654" y="6308448"/>
+            <a:ext cx="3523270" cy="369332"/>
+          </a:xfrm>
+          <a:prstGeom prst="rect">
+            <a:avLst/>
+          </a:prstGeom>
+          <a:noFill/>
+        </p:spPr>
+        <p:txBody>
+          <a:bodyPr wrap="square" rtlCol="0">
+            <a:spAutoFit/>
+          </a:bodyPr>
+          <a:lstStyle/>
+          <a:p>
+            <a:r>
+              <a:rPr lang="en-US" i="1" dirty="0">
+                <a:solidFill>
+                  <a:srgbClr val="C2A1BB"/>
+                </a:solidFill>
+                <a:latin typeface="Lato Light" charset="0"/>
+                <a:ea typeface="Lato Light" charset="0"/>
+                <a:cs typeface="Lato Light" charset="0"/>
+              </a:rPr>
+              <a:t>github.com/</a:t>
+            </a:r>
+            <a:r>
+              <a:rPr lang="en-US" i="1" dirty="0" err="1">
+                <a:solidFill>
+                  <a:srgbClr val="C2A1BB"/>
+                </a:solidFill>
+                <a:latin typeface="Lato Light" charset="0"/>
+                <a:ea typeface="Lato Light" charset="0"/>
+                <a:cs typeface="Lato Light" charset="0"/>
+              </a:rPr>
+              <a:t>rahul-rkt</a:t>
+            </a:r>
+            <a:r>
+              <a:rPr lang="en-US" i="1" dirty="0">
+                <a:solidFill>
+                  <a:srgbClr val="C2A1BB"/>
+                </a:solidFill>
+                <a:latin typeface="Lato Light" charset="0"/>
+                <a:ea typeface="Lato Light" charset="0"/>
+                <a:cs typeface="Lato Light" charset="0"/>
+              </a:rPr>
+              <a:t>/</a:t>
+            </a:r>
+            <a:r>
+              <a:rPr lang="en-US" i="1" dirty="0" err="1">
+                <a:solidFill>
+                  <a:srgbClr val="C2A1BB"/>
+                </a:solidFill>
+                <a:latin typeface="Lato Light" charset="0"/>
+                <a:ea typeface="Lato Light" charset="0"/>
+                <a:cs typeface="Lato Light" charset="0"/>
+              </a:rPr>
+              <a:t>ColorMemory</a:t>
+            </a:r>
+            <a:endParaRPr lang="en-US" i="1" dirty="0">
+              <a:solidFill>
+                <a:srgbClr val="C2A1BB"/>
               </a:solidFill>
               <a:latin typeface="Lato Light" charset="0"/>
               <a:ea typeface="Lato Light" charset="0"/>
@@ -4809,6 +5375,17 @@
           </a:p>
           <a:p>
             <a:pPr algn="l"/>
+            <a:endParaRPr lang="en-US" sz="2000" i="0" dirty="0" smtClean="0">
+              <a:solidFill>
+                <a:srgbClr val="383F4C"/>
+              </a:solidFill>
+              <a:latin typeface="Lato Light" charset="0"/>
+              <a:ea typeface="Lato Light" charset="0"/>
+              <a:cs typeface="Lato Light" charset="0"/>
+            </a:endParaRPr>
+          </a:p>
+          <a:p>
+            <a:pPr algn="l"/>
             <a:endParaRPr lang="en-US" sz="2000" i="0" dirty="0">
               <a:solidFill>
                 <a:srgbClr val="383F4C"/>
@@ -4827,6 +5404,28 @@
               <a:buChar char="•"/>
             </a:pPr>
             <a:r>
+              <a:rPr lang="en-US" sz="2000" dirty="0" smtClean="0">
+                <a:solidFill>
+                  <a:srgbClr val="383F4C"/>
+                </a:solidFill>
+                <a:latin typeface="Lato" charset="0"/>
+                <a:ea typeface="Lato" charset="0"/>
+                <a:cs typeface="Lato" charset="0"/>
+              </a:rPr>
+              <a:t>Game Genre:</a:t>
+            </a:r>
+            <a:r>
+              <a:rPr lang="en-US" sz="2000" i="0" dirty="0">
+                <a:solidFill>
+                  <a:srgbClr val="383F4C"/>
+                </a:solidFill>
+                <a:latin typeface="Lato Light" charset="0"/>
+                <a:ea typeface="Lato Light" charset="0"/>
+                <a:cs typeface="Lato Light" charset="0"/>
+              </a:rPr>
+              <a:t>	</a:t>
+            </a:r>
+            <a:r>
               <a:rPr lang="en-US" sz="2000" i="0" dirty="0" smtClean="0">
                 <a:solidFill>
                   <a:srgbClr val="383F4C"/>
@@ -4835,41 +5434,17 @@
                 <a:ea typeface="Lato Light" charset="0"/>
                 <a:cs typeface="Lato Light" charset="0"/>
               </a:rPr>
-              <a:t>Some points </a:t>
-            </a:r>
-            <a:r>
-              <a:rPr lang="en-US" sz="2000" i="0" dirty="0" err="1" smtClean="0">
-                <a:solidFill>
-                  <a:srgbClr val="383F4C"/>
-                </a:solidFill>
-                <a:latin typeface="Lato Light" charset="0"/>
-                <a:ea typeface="Lato Light" charset="0"/>
-                <a:cs typeface="Lato Light" charset="0"/>
-              </a:rPr>
-              <a:t>bla</a:t>
-            </a:r>
-            <a:r>
-              <a:rPr lang="en-US" sz="2000" i="0" dirty="0" smtClean="0">
-                <a:solidFill>
-                  <a:srgbClr val="383F4C"/>
-                </a:solidFill>
-                <a:latin typeface="Lato Light" charset="0"/>
-                <a:ea typeface="Lato Light" charset="0"/>
-                <a:cs typeface="Lato Light" charset="0"/>
-              </a:rPr>
-              <a:t> </a:t>
-            </a:r>
-            <a:r>
-              <a:rPr lang="en-US" sz="2000" i="0" dirty="0" err="1" smtClean="0">
-                <a:solidFill>
-                  <a:srgbClr val="383F4C"/>
-                </a:solidFill>
-                <a:latin typeface="Lato Light" charset="0"/>
-                <a:ea typeface="Lato Light" charset="0"/>
-                <a:cs typeface="Lato Light" charset="0"/>
-              </a:rPr>
-              <a:t>bla</a:t>
-            </a:r>
+              <a:t>		Card based puzzle game</a:t>
+            </a:r>
+          </a:p>
+          <a:p>
+            <a:pPr marL="342900" indent="-342900" algn="l">
+              <a:buClr>
+                <a:srgbClr val="A0B1C1"/>
+              </a:buClr>
+              <a:buFont typeface="Arial" charset="0"/>
+              <a:buChar char="•"/>
+            </a:pPr>
             <a:endParaRPr lang="en-US" sz="2000" i="0" dirty="0" smtClean="0">
               <a:solidFill>
                 <a:srgbClr val="383F4C"/>
@@ -4904,6 +5479,48 @@
               <a:buFont typeface="Arial" charset="0"/>
               <a:buChar char="•"/>
             </a:pPr>
+            <a:r>
+              <a:rPr lang="en-US" sz="2000" i="0" dirty="0" smtClean="0">
+                <a:solidFill>
+                  <a:srgbClr val="383F4C"/>
+                </a:solidFill>
+                <a:latin typeface="Lato" charset="0"/>
+                <a:ea typeface="Lato" charset="0"/>
+                <a:cs typeface="Lato" charset="0"/>
+              </a:rPr>
+              <a:t>Game Objective:</a:t>
+            </a:r>
+            <a:r>
+              <a:rPr lang="en-US" sz="2000" i="0" dirty="0">
+                <a:solidFill>
+                  <a:srgbClr val="383F4C"/>
+                </a:solidFill>
+                <a:latin typeface="Lato Light" charset="0"/>
+                <a:ea typeface="Lato Light" charset="0"/>
+                <a:cs typeface="Lato Light" charset="0"/>
+              </a:rPr>
+              <a:t>	</a:t>
+            </a:r>
+            <a:r>
+              <a:rPr lang="en-US" sz="2000" i="0" dirty="0" smtClean="0">
+                <a:solidFill>
+                  <a:srgbClr val="383F4C"/>
+                </a:solidFill>
+                <a:latin typeface="Lato Light" charset="0"/>
+                <a:ea typeface="Lato Light" charset="0"/>
+                <a:cs typeface="Lato Light" charset="0"/>
+              </a:rPr>
+              <a:t>	Match all the card pairs</a:t>
+            </a:r>
+          </a:p>
+          <a:p>
+            <a:pPr marL="342900" indent="-342900" algn="l">
+              <a:buClr>
+                <a:srgbClr val="A0B1C1"/>
+              </a:buClr>
+              <a:buFont typeface="Arial" charset="0"/>
+              <a:buChar char="•"/>
+            </a:pPr>
             <a:endParaRPr lang="en-US" sz="2000" i="0" dirty="0" smtClean="0">
               <a:solidFill>
                 <a:srgbClr val="383F4C"/>
@@ -4921,6 +5538,45 @@
               <a:buFont typeface="Arial" charset="0"/>
               <a:buChar char="•"/>
             </a:pPr>
+            <a:endParaRPr lang="en-US" sz="2000" i="0" dirty="0">
+              <a:solidFill>
+                <a:srgbClr val="383F4C"/>
+              </a:solidFill>
+              <a:latin typeface="Lato Light" charset="0"/>
+              <a:ea typeface="Lato Light" charset="0"/>
+              <a:cs typeface="Lato Light" charset="0"/>
+            </a:endParaRPr>
+          </a:p>
+          <a:p>
+            <a:pPr marL="342900" indent="-342900" algn="l">
+              <a:buClr>
+                <a:srgbClr val="A0B1C1"/>
+              </a:buClr>
+              <a:buFont typeface="Arial" charset="0"/>
+              <a:buChar char="•"/>
+            </a:pPr>
+            <a:r>
+              <a:rPr lang="en-US" sz="2000" dirty="0">
+                <a:solidFill>
+                  <a:srgbClr val="383F4C"/>
+                </a:solidFill>
+                <a:latin typeface="Lato" charset="0"/>
+                <a:ea typeface="Lato" charset="0"/>
+                <a:cs typeface="Lato" charset="0"/>
+              </a:rPr>
+              <a:t>Development Objectives</a:t>
+            </a:r>
+            <a:r>
+              <a:rPr lang="en-US" sz="2000" dirty="0" smtClean="0">
+                <a:solidFill>
+                  <a:srgbClr val="383F4C"/>
+                </a:solidFill>
+                <a:latin typeface="Lato" charset="0"/>
+                <a:ea typeface="Lato" charset="0"/>
+                <a:cs typeface="Lato" charset="0"/>
+              </a:rPr>
+              <a:t>:</a:t>
+            </a:r>
             <a:r>
               <a:rPr lang="en-US" sz="2000" i="0" dirty="0" smtClean="0">
                 <a:solidFill>
@@ -4930,8 +5586,173 @@
                 <a:ea typeface="Lato Light" charset="0"/>
                 <a:cs typeface="Lato Light" charset="0"/>
               </a:rPr>
-              <a:t>More blabber.. list out the points and explain how our main aim is to focus on UI/UX. A simple game focusing on great design features and crisp &amp; intuitive animations for great user experience.</a:t>
-            </a:r>
+              <a:t>	Minimalistic UI/UX</a:t>
+            </a:r>
+          </a:p>
+          <a:p>
+            <a:pPr algn="l">
+              <a:buClr>
+                <a:srgbClr val="A0B1C1"/>
+              </a:buClr>
+            </a:pPr>
+            <a:r>
+              <a:rPr lang="en-US" sz="2000" i="0" dirty="0">
+                <a:solidFill>
+                  <a:srgbClr val="383F4C"/>
+                </a:solidFill>
+                <a:latin typeface="Lato Light" charset="0"/>
+                <a:ea typeface="Lato Light" charset="0"/>
+                <a:cs typeface="Lato Light" charset="0"/>
+              </a:rPr>
+              <a:t>				Simple intuitive gameplay</a:t>
+            </a:r>
+          </a:p>
+          <a:p>
+            <a:pPr indent="3143250" algn="l">
+              <a:buClr>
+                <a:srgbClr val="A0B1C1"/>
+              </a:buClr>
+            </a:pPr>
+            <a:r>
+              <a:rPr lang="en-US" sz="2000" i="0" dirty="0">
+                <a:solidFill>
+                  <a:srgbClr val="383F4C"/>
+                </a:solidFill>
+                <a:latin typeface="Lato Light" charset="0"/>
+                <a:ea typeface="Lato Light" charset="0"/>
+                <a:cs typeface="Lato Light" charset="0"/>
+              </a:rPr>
+              <a:t>	Natural and fluid animations</a:t>
+            </a:r>
+          </a:p>
+          <a:p>
+            <a:pPr indent="15875" algn="l">
+              <a:buClr>
+                <a:srgbClr val="A0B1C1"/>
+              </a:buClr>
+            </a:pPr>
+            <a:r>
+              <a:rPr lang="en-US" sz="2000" i="0" dirty="0" smtClean="0">
+                <a:solidFill>
+                  <a:srgbClr val="383F4C"/>
+                </a:solidFill>
+                <a:latin typeface="Lato Light" charset="0"/>
+                <a:ea typeface="Lato Light" charset="0"/>
+                <a:cs typeface="Lato Light" charset="0"/>
+              </a:rPr>
+              <a:t>				Unlockable cards and other items</a:t>
+            </a:r>
+            <a:endParaRPr lang="en-US" sz="2000" i="0" dirty="0">
+              <a:solidFill>
+                <a:srgbClr val="383F4C"/>
+              </a:solidFill>
+              <a:latin typeface="Lato Light" charset="0"/>
+              <a:ea typeface="Lato Light" charset="0"/>
+              <a:cs typeface="Lato Light" charset="0"/>
+            </a:endParaRPr>
+          </a:p>
+          <a:p>
+            <a:pPr algn="l">
+              <a:buClr>
+                <a:srgbClr val="A0B1C1"/>
+              </a:buClr>
+            </a:pPr>
+            <a:r>
+              <a:rPr lang="en-US" sz="2000" i="0" dirty="0">
+                <a:solidFill>
+                  <a:srgbClr val="383F4C"/>
+                </a:solidFill>
+                <a:latin typeface="Lato Light" charset="0"/>
+                <a:ea typeface="Lato Light" charset="0"/>
+                <a:cs typeface="Lato Light" charset="0"/>
+              </a:rPr>
+              <a:t>				</a:t>
+            </a:r>
+            <a:r>
+              <a:rPr lang="en-US" sz="2000" i="0" dirty="0" smtClean="0">
+                <a:solidFill>
+                  <a:srgbClr val="383F4C"/>
+                </a:solidFill>
+                <a:latin typeface="Lato Light" charset="0"/>
+                <a:ea typeface="Lato Light" charset="0"/>
+                <a:cs typeface="Lato Light" charset="0"/>
+              </a:rPr>
+              <a:t>Scoreboard, rewards </a:t>
+            </a:r>
+            <a:r>
+              <a:rPr lang="en-US" sz="2000" i="0" dirty="0">
+                <a:solidFill>
+                  <a:srgbClr val="383F4C"/>
+                </a:solidFill>
+                <a:latin typeface="Lato Light" charset="0"/>
+                <a:ea typeface="Lato Light" charset="0"/>
+                <a:cs typeface="Lato Light" charset="0"/>
+              </a:rPr>
+              <a:t>and achievement system</a:t>
+            </a:r>
+          </a:p>
+          <a:p>
+            <a:pPr indent="3143250" algn="l">
+              <a:buClr>
+                <a:srgbClr val="A0B1C1"/>
+              </a:buClr>
+            </a:pPr>
+            <a:r>
+              <a:rPr lang="en-US" sz="2000" i="0" dirty="0">
+                <a:solidFill>
+                  <a:srgbClr val="383F4C"/>
+                </a:solidFill>
+                <a:latin typeface="Lato Light" charset="0"/>
+                <a:ea typeface="Lato Light" charset="0"/>
+                <a:cs typeface="Lato Light" charset="0"/>
+              </a:rPr>
+              <a:t>	</a:t>
+            </a:r>
+            <a:r>
+              <a:rPr lang="en-US" sz="2000" i="0" dirty="0" smtClean="0">
+                <a:solidFill>
+                  <a:srgbClr val="383F4C"/>
+                </a:solidFill>
+                <a:latin typeface="Lato Light" charset="0"/>
+                <a:ea typeface="Lato Light" charset="0"/>
+                <a:cs typeface="Lato Light" charset="0"/>
+              </a:rPr>
+              <a:t>Above all, a complete, playable and enjoyable game</a:t>
+            </a:r>
+          </a:p>
+          <a:p>
+            <a:pPr marL="342900" indent="-342900" algn="l">
+              <a:buClr>
+                <a:srgbClr val="A0B1C1"/>
+              </a:buClr>
+              <a:buFont typeface="Arial" charset="0"/>
+              <a:buChar char="•"/>
+            </a:pPr>
+            <a:endParaRPr lang="en-US" sz="2000" i="0" dirty="0">
+              <a:solidFill>
+                <a:srgbClr val="383F4C"/>
+              </a:solidFill>
+              <a:latin typeface="Lato Light" charset="0"/>
+              <a:ea typeface="Lato Light" charset="0"/>
+              <a:cs typeface="Lato Light" charset="0"/>
+            </a:endParaRPr>
+          </a:p>
+          <a:p>
+            <a:pPr marL="342900" indent="-342900" algn="l">
+              <a:buClr>
+                <a:srgbClr val="A0B1C1"/>
+              </a:buClr>
+              <a:buFont typeface="Arial" charset="0"/>
+              <a:buChar char="•"/>
+            </a:pPr>
+            <a:endParaRPr lang="en-US" sz="2000" i="0" dirty="0" smtClean="0">
+              <a:solidFill>
+                <a:srgbClr val="383F4C"/>
+              </a:solidFill>
+              <a:latin typeface="Lato Light" charset="0"/>
+              <a:ea typeface="Lato Light" charset="0"/>
+              <a:cs typeface="Lato Light" charset="0"/>
+            </a:endParaRPr>
           </a:p>
         </p:txBody>
       </p:sp>
@@ -4992,20 +5813,19 @@
         </p:nvSpPr>
         <p:spPr>
           <a:xfrm>
-            <a:off x="0" y="990"/>
-            <a:ext cx="12192000" cy="784830"/>
+            <a:off x="425302" y="559679"/>
+            <a:ext cx="7227522" cy="784830"/>
           </a:xfrm>
           <a:solidFill>
             <a:srgbClr val="63717C"/>
           </a:solidFill>
         </p:spPr>
         <p:txBody>
-          <a:bodyPr anchor="ctr" anchorCtr="0">
+          <a:bodyPr wrap="square">
             <a:spAutoFit/>
           </a:bodyPr>
           <a:lstStyle/>
           <a:p>
-            <a:pPr algn="l"/>
             <a:r>
               <a:rPr lang="en-US" dirty="0" smtClean="0">
                 <a:solidFill>
@@ -5015,7 +5835,7 @@
                 <a:ea typeface="Lato Light" charset="0"/>
                 <a:cs typeface="Lato Light" charset="0"/>
               </a:rPr>
-              <a:t>   Feature List: Design</a:t>
+              <a:t>Concept Mockup</a:t>
             </a:r>
             <a:endParaRPr lang="en-US" dirty="0">
               <a:latin typeface="Lato Light" charset="0"/>
@@ -5025,319 +5845,15 @@
           </a:p>
         </p:txBody>
       </p:sp>
-      <p:sp>
-        <p:nvSpPr>
-          <p:cNvPr id="9" name="Title 5"/>
-          <p:cNvSpPr txBox="1">
-            <a:spLocks/>
-          </p:cNvSpPr>
-          <p:nvPr/>
-        </p:nvSpPr>
-        <p:spPr>
-          <a:xfrm>
-            <a:off x="422031" y="1252025"/>
-            <a:ext cx="11338560" cy="4572000"/>
-          </a:xfrm>
-          <a:prstGeom prst="rect">
-            <a:avLst/>
-          </a:prstGeom>
-        </p:spPr>
-        <p:txBody>
-          <a:bodyPr vert="horz" lIns="91440" tIns="45720" rIns="91440" bIns="45720" rtlCol="0" anchor="t">
-            <a:normAutofit/>
-          </a:bodyPr>
-          <a:lstStyle>
-            <a:lvl1pPr algn="r" defTabSz="914400" rtl="0" eaLnBrk="1" latinLnBrk="0" hangingPunct="1">
-              <a:lnSpc>
-                <a:spcPct val="90000"/>
-              </a:lnSpc>
-              <a:spcBef>
-                <a:spcPct val="0"/>
-              </a:spcBef>
-              <a:buNone/>
-              <a:defRPr sz="5000" b="0" i="1" kern="1200" baseline="0">
-                <a:solidFill>
-                  <a:schemeClr val="tx1">
-                    <a:lumMod val="85000"/>
-                    <a:lumOff val="15000"/>
-                  </a:schemeClr>
-                </a:solidFill>
-                <a:latin typeface="+mj-lt"/>
-                <a:ea typeface="+mj-ea"/>
-                <a:cs typeface="+mj-cs"/>
-              </a:defRPr>
-            </a:lvl1pPr>
-          </a:lstStyle>
-          <a:p>
-            <a:pPr algn="l"/>
-            <a:r>
-              <a:rPr lang="en-US" sz="2000" i="0" dirty="0" smtClean="0">
-                <a:solidFill>
-                  <a:srgbClr val="383F4C"/>
-                </a:solidFill>
-                <a:latin typeface="Lato Light" charset="0"/>
-                <a:ea typeface="Lato Light" charset="0"/>
-                <a:cs typeface="Lato Light" charset="0"/>
-              </a:rPr>
-              <a:t>Colour Palette: </a:t>
-            </a:r>
-          </a:p>
-          <a:p>
-            <a:pPr algn="l"/>
-            <a:endParaRPr lang="en-US" sz="2000" i="0" dirty="0">
-              <a:solidFill>
-                <a:srgbClr val="383F4C"/>
-              </a:solidFill>
-              <a:latin typeface="Lato Light" charset="0"/>
-              <a:ea typeface="Lato Light" charset="0"/>
-              <a:cs typeface="Lato Light" charset="0"/>
-            </a:endParaRPr>
-          </a:p>
-          <a:p>
-            <a:pPr marL="342900" indent="-342900" algn="l">
-              <a:buClr>
-                <a:srgbClr val="A0B1C1"/>
-              </a:buClr>
-              <a:buFont typeface="Arial" charset="0"/>
-              <a:buChar char="•"/>
-            </a:pPr>
-            <a:r>
-              <a:rPr lang="en-US" sz="2000" i="0" dirty="0" smtClean="0">
-                <a:solidFill>
-                  <a:srgbClr val="383F4C"/>
-                </a:solidFill>
-                <a:latin typeface="Lato Light" charset="0"/>
-                <a:ea typeface="Lato Light" charset="0"/>
-                <a:cs typeface="Lato Light" charset="0"/>
-              </a:rPr>
-              <a:t>The colour palette is inspired from Base16: Ocean. We plan to make both light and dark versions of the interface using the same palette.</a:t>
-            </a:r>
-          </a:p>
-          <a:p>
-            <a:pPr algn="l">
-              <a:buClr>
-                <a:srgbClr val="A0B1C1"/>
-              </a:buClr>
-            </a:pPr>
-            <a:endParaRPr lang="en-US" sz="2000" i="0" dirty="0">
-              <a:solidFill>
-                <a:srgbClr val="383F4C"/>
-              </a:solidFill>
-              <a:latin typeface="Lato Light" charset="0"/>
-              <a:ea typeface="Lato Light" charset="0"/>
-              <a:cs typeface="Lato Light" charset="0"/>
-            </a:endParaRPr>
-          </a:p>
-          <a:p>
-            <a:pPr algn="l">
-              <a:buClr>
-                <a:srgbClr val="A0B1C1"/>
-              </a:buClr>
-            </a:pPr>
-            <a:endParaRPr lang="en-US" sz="2000" i="0" dirty="0" smtClean="0">
-              <a:solidFill>
-                <a:srgbClr val="383F4C"/>
-              </a:solidFill>
-              <a:latin typeface="Lato Light" charset="0"/>
-              <a:ea typeface="Lato Light" charset="0"/>
-              <a:cs typeface="Lato Light" charset="0"/>
-            </a:endParaRPr>
-          </a:p>
-          <a:p>
-            <a:pPr algn="l">
-              <a:buClr>
-                <a:srgbClr val="A0B1C1"/>
-              </a:buClr>
-            </a:pPr>
-            <a:endParaRPr lang="en-US" sz="2000" i="0" dirty="0">
-              <a:solidFill>
-                <a:srgbClr val="383F4C"/>
-              </a:solidFill>
-              <a:latin typeface="Lato Light" charset="0"/>
-              <a:ea typeface="Lato Light" charset="0"/>
-              <a:cs typeface="Lato Light" charset="0"/>
-            </a:endParaRPr>
-          </a:p>
-          <a:p>
-            <a:pPr algn="l">
-              <a:buClr>
-                <a:srgbClr val="A0B1C1"/>
-              </a:buClr>
-            </a:pPr>
-            <a:endParaRPr lang="en-US" sz="2000" i="0" dirty="0" smtClean="0">
-              <a:solidFill>
-                <a:srgbClr val="383F4C"/>
-              </a:solidFill>
-              <a:latin typeface="Lato Light" charset="0"/>
-              <a:ea typeface="Lato Light" charset="0"/>
-              <a:cs typeface="Lato Light" charset="0"/>
-            </a:endParaRPr>
-          </a:p>
-          <a:p>
-            <a:pPr algn="l">
-              <a:buClr>
-                <a:srgbClr val="A0B1C1"/>
-              </a:buClr>
-            </a:pPr>
-            <a:endParaRPr lang="en-US" sz="2000" i="0" dirty="0">
-              <a:solidFill>
-                <a:srgbClr val="383F4C"/>
-              </a:solidFill>
-              <a:latin typeface="Lato Light" charset="0"/>
-              <a:ea typeface="Lato Light" charset="0"/>
-              <a:cs typeface="Lato Light" charset="0"/>
-            </a:endParaRPr>
-          </a:p>
-          <a:p>
-            <a:pPr algn="l">
-              <a:buClr>
-                <a:srgbClr val="A0B1C1"/>
-              </a:buClr>
-            </a:pPr>
-            <a:endParaRPr lang="en-US" sz="2000" i="0" dirty="0" smtClean="0">
-              <a:solidFill>
-                <a:srgbClr val="383F4C"/>
-              </a:solidFill>
-              <a:latin typeface="Lato Light" charset="0"/>
-              <a:ea typeface="Lato Light" charset="0"/>
-              <a:cs typeface="Lato Light" charset="0"/>
-            </a:endParaRPr>
-          </a:p>
-          <a:p>
-            <a:pPr marL="342900" indent="-342900" algn="l">
-              <a:buClr>
-                <a:srgbClr val="A0B1C1"/>
-              </a:buClr>
-              <a:buFont typeface="Arial" charset="0"/>
-              <a:buChar char="•"/>
-            </a:pPr>
-            <a:r>
-              <a:rPr lang="en-US" sz="2000" i="0" dirty="0" smtClean="0">
-                <a:solidFill>
-                  <a:srgbClr val="383F4C"/>
-                </a:solidFill>
-                <a:latin typeface="Lato Light" charset="0"/>
-                <a:ea typeface="Lato Light" charset="0"/>
-                <a:cs typeface="Lato Light" charset="0"/>
-              </a:rPr>
-              <a:t>Smooth card flip animations.</a:t>
-            </a:r>
-          </a:p>
-          <a:p>
-            <a:pPr marL="342900" indent="-342900" algn="l">
-              <a:buClr>
-                <a:srgbClr val="A0B1C1"/>
-              </a:buClr>
-              <a:buFont typeface="Arial" charset="0"/>
-              <a:buChar char="•"/>
-            </a:pPr>
-            <a:r>
-              <a:rPr lang="en-US" sz="2000" i="0" dirty="0" smtClean="0">
-                <a:solidFill>
-                  <a:srgbClr val="383F4C"/>
-                </a:solidFill>
-                <a:latin typeface="Lato Light" charset="0"/>
-                <a:ea typeface="Lato Light" charset="0"/>
-                <a:cs typeface="Lato Light" charset="0"/>
-              </a:rPr>
-              <a:t>Fluid gameplay and intuitive gestures.</a:t>
-            </a:r>
-          </a:p>
-          <a:p>
-            <a:pPr marL="342900" indent="-342900" algn="l">
-              <a:buClr>
-                <a:srgbClr val="A0B1C1"/>
-              </a:buClr>
-              <a:buFont typeface="Arial" charset="0"/>
-              <a:buChar char="•"/>
-            </a:pPr>
-            <a:r>
-              <a:rPr lang="en-US" sz="2000" i="0" dirty="0" smtClean="0">
-                <a:solidFill>
-                  <a:srgbClr val="383F4C"/>
-                </a:solidFill>
-                <a:latin typeface="Lato Light" charset="0"/>
-                <a:ea typeface="Lato Light" charset="0"/>
-                <a:cs typeface="Lato Light" charset="0"/>
-              </a:rPr>
-              <a:t>Mobile first design, </a:t>
-            </a:r>
-            <a:r>
-              <a:rPr lang="en-US" sz="2000" i="0" dirty="0" err="1" smtClean="0">
-                <a:solidFill>
-                  <a:srgbClr val="383F4C"/>
-                </a:solidFill>
-                <a:latin typeface="Lato Light" charset="0"/>
-                <a:ea typeface="Lato Light" charset="0"/>
-                <a:cs typeface="Lato Light" charset="0"/>
-              </a:rPr>
-              <a:t>bla</a:t>
-            </a:r>
-            <a:r>
-              <a:rPr lang="en-US" sz="2000" i="0" dirty="0" smtClean="0">
-                <a:solidFill>
-                  <a:srgbClr val="383F4C"/>
-                </a:solidFill>
-                <a:latin typeface="Lato Light" charset="0"/>
-                <a:ea typeface="Lato Light" charset="0"/>
-                <a:cs typeface="Lato Light" charset="0"/>
-              </a:rPr>
-              <a:t> </a:t>
-            </a:r>
-            <a:r>
-              <a:rPr lang="en-US" sz="2000" i="0" dirty="0" err="1" smtClean="0">
-                <a:solidFill>
-                  <a:srgbClr val="383F4C"/>
-                </a:solidFill>
-                <a:latin typeface="Lato Light" charset="0"/>
-                <a:ea typeface="Lato Light" charset="0"/>
-                <a:cs typeface="Lato Light" charset="0"/>
-              </a:rPr>
-              <a:t>bla</a:t>
-            </a:r>
-            <a:r>
-              <a:rPr lang="en-US" sz="2000" i="0" dirty="0" smtClean="0">
-                <a:solidFill>
-                  <a:srgbClr val="383F4C"/>
-                </a:solidFill>
-                <a:latin typeface="Lato Light" charset="0"/>
-                <a:ea typeface="Lato Light" charset="0"/>
-                <a:cs typeface="Lato Light" charset="0"/>
-              </a:rPr>
-              <a:t> </a:t>
-            </a:r>
-            <a:r>
-              <a:rPr lang="en-US" sz="2000" i="0" dirty="0" err="1" smtClean="0">
-                <a:solidFill>
-                  <a:srgbClr val="383F4C"/>
-                </a:solidFill>
-                <a:latin typeface="Lato Light" charset="0"/>
-                <a:ea typeface="Lato Light" charset="0"/>
-                <a:cs typeface="Lato Light" charset="0"/>
-              </a:rPr>
-              <a:t>bla</a:t>
-            </a:r>
-            <a:r>
-              <a:rPr lang="en-US" sz="2000" i="0" dirty="0" smtClean="0">
-                <a:solidFill>
-                  <a:srgbClr val="383F4C"/>
-                </a:solidFill>
-                <a:latin typeface="Lato Light" charset="0"/>
-                <a:ea typeface="Lato Light" charset="0"/>
-                <a:cs typeface="Lato Light" charset="0"/>
-              </a:rPr>
-              <a:t>..</a:t>
-            </a:r>
-          </a:p>
-        </p:txBody>
-      </p:sp>
       <p:pic>
         <p:nvPicPr>
-          <p:cNvPr id="2" name="Picture 1"/>
+          <p:cNvPr id="8" name="Content Placeholder 7"/>
           <p:cNvPicPr>
-            <a:picLocks noChangeAspect="1"/>
+            <a:picLocks noGrp="1" noChangeAspect="1"/>
           </p:cNvPicPr>
-          <p:nvPr/>
+          <p:nvPr>
+            <p:ph idx="1"/>
+          </p:nvPr>
         </p:nvPicPr>
         <p:blipFill>
           <a:blip r:embed="rId2">
@@ -5353,48 +5869,368 @@
         </p:blipFill>
         <p:spPr>
           <a:xfrm>
-            <a:off x="0" y="3197785"/>
-            <a:ext cx="12192000" cy="717176"/>
+            <a:off x="8437384" y="568325"/>
+            <a:ext cx="3045679" cy="5656262"/>
+          </a:xfrm>
+        </p:spPr>
+      </p:pic>
+      <p:sp>
+        <p:nvSpPr>
+          <p:cNvPr id="9" name="Title 5"/>
+          <p:cNvSpPr txBox="1">
+            <a:spLocks/>
+          </p:cNvSpPr>
+          <p:nvPr/>
+        </p:nvSpPr>
+        <p:spPr>
+          <a:xfrm>
+            <a:off x="425303" y="1589649"/>
+            <a:ext cx="7227522" cy="3416320"/>
           </a:xfrm>
           <a:prstGeom prst="rect">
             <a:avLst/>
           </a:prstGeom>
         </p:spPr>
-      </p:pic>
-      <p:pic>
-        <p:nvPicPr>
-          <p:cNvPr id="5" name="Picture 4"/>
-          <p:cNvPicPr>
-            <a:picLocks noChangeAspect="1"/>
-          </p:cNvPicPr>
-          <p:nvPr/>
-        </p:nvPicPr>
-        <p:blipFill>
-          <a:blip r:embed="rId3">
-            <a:extLst>
-              <a:ext uri="{28A0092B-C50C-407E-A947-70E740481C1C}">
-                <a14:useLocalDpi xmlns:a14="http://schemas.microsoft.com/office/drawing/2010/main" val="0"/>
-              </a:ext>
-            </a:extLst>
-          </a:blip>
-          <a:stretch>
-            <a:fillRect/>
-          </a:stretch>
-        </p:blipFill>
-        <p:spPr>
-          <a:xfrm>
-            <a:off x="0" y="2480609"/>
-            <a:ext cx="12192000" cy="717176"/>
-          </a:xfrm>
-          <a:prstGeom prst="rect">
-            <a:avLst/>
-          </a:prstGeom>
-        </p:spPr>
-      </p:pic>
+        <p:txBody>
+          <a:bodyPr vert="horz" wrap="square" lIns="91440" tIns="45720" rIns="91440" bIns="45720" rtlCol="0" anchor="t">
+            <a:spAutoFit/>
+          </a:bodyPr>
+          <a:lstStyle>
+            <a:lvl1pPr algn="r" defTabSz="914400" rtl="0" eaLnBrk="1" latinLnBrk="0" hangingPunct="1">
+              <a:lnSpc>
+                <a:spcPct val="90000"/>
+              </a:lnSpc>
+              <a:spcBef>
+                <a:spcPct val="0"/>
+              </a:spcBef>
+              <a:buNone/>
+              <a:defRPr sz="5000" b="0" i="1" kern="1200" baseline="0">
+                <a:solidFill>
+                  <a:schemeClr val="tx1">
+                    <a:lumMod val="85000"/>
+                    <a:lumOff val="15000"/>
+                  </a:schemeClr>
+                </a:solidFill>
+                <a:latin typeface="+mj-lt"/>
+                <a:ea typeface="+mj-ea"/>
+                <a:cs typeface="+mj-cs"/>
+              </a:defRPr>
+            </a:lvl1pPr>
+          </a:lstStyle>
+          <a:p>
+            <a:pPr algn="l"/>
+            <a:r>
+              <a:rPr lang="en-US" sz="2000" i="0" dirty="0" smtClean="0">
+                <a:solidFill>
+                  <a:srgbClr val="383F4C"/>
+                </a:solidFill>
+                <a:latin typeface="Lato Light" charset="0"/>
+                <a:ea typeface="Lato Light" charset="0"/>
+                <a:cs typeface="Lato Light" charset="0"/>
+              </a:rPr>
+              <a:t>This is the first </a:t>
+            </a:r>
+            <a:r>
+              <a:rPr lang="en-US" sz="2000" i="0" dirty="0" smtClean="0">
+                <a:solidFill>
+                  <a:srgbClr val="383F4C"/>
+                </a:solidFill>
+                <a:latin typeface="Lato Light" charset="0"/>
+                <a:ea typeface="Lato Light" charset="0"/>
+                <a:cs typeface="Lato Light" charset="0"/>
+              </a:rPr>
+              <a:t>iteration of the game’s </a:t>
+            </a:r>
+            <a:r>
+              <a:rPr lang="en-US" sz="2000" i="0" dirty="0" smtClean="0">
+                <a:solidFill>
+                  <a:srgbClr val="383F4C"/>
+                </a:solidFill>
+                <a:latin typeface="Lato Light" charset="0"/>
+                <a:ea typeface="Lato Light" charset="0"/>
+                <a:cs typeface="Lato Light" charset="0"/>
+              </a:rPr>
+              <a:t>design and aesthetics. Some pointers about the design process:</a:t>
+            </a:r>
+          </a:p>
+          <a:p>
+            <a:pPr algn="l"/>
+            <a:endParaRPr lang="en-US" sz="2000" i="0" dirty="0" smtClean="0">
+              <a:solidFill>
+                <a:srgbClr val="383F4C"/>
+              </a:solidFill>
+              <a:latin typeface="Lato Light" charset="0"/>
+              <a:ea typeface="Lato Light" charset="0"/>
+              <a:cs typeface="Lato Light" charset="0"/>
+            </a:endParaRPr>
+          </a:p>
+          <a:p>
+            <a:pPr algn="l"/>
+            <a:endParaRPr lang="en-US" sz="2000" i="0" dirty="0">
+              <a:solidFill>
+                <a:srgbClr val="383F4C"/>
+              </a:solidFill>
+              <a:latin typeface="Lato Light" charset="0"/>
+              <a:ea typeface="Lato Light" charset="0"/>
+              <a:cs typeface="Lato Light" charset="0"/>
+            </a:endParaRPr>
+          </a:p>
+          <a:p>
+            <a:pPr marL="342900" indent="-342900" algn="l">
+              <a:buClr>
+                <a:srgbClr val="A0B1C1"/>
+              </a:buClr>
+              <a:buFont typeface="Arial" charset="0"/>
+              <a:buChar char="•"/>
+            </a:pPr>
+            <a:r>
+              <a:rPr lang="en-US" sz="2000" i="0" dirty="0" smtClean="0">
+                <a:solidFill>
+                  <a:srgbClr val="383F4C"/>
+                </a:solidFill>
+                <a:latin typeface="Lato Light" charset="0"/>
+                <a:ea typeface="Lato Light" charset="0"/>
+                <a:cs typeface="Lato Light" charset="0"/>
+              </a:rPr>
+              <a:t>In accordance to the brief, </a:t>
+            </a:r>
+            <a:r>
+              <a:rPr lang="en-US" sz="2000" i="0" dirty="0" smtClean="0">
+                <a:solidFill>
+                  <a:srgbClr val="383F4C"/>
+                </a:solidFill>
+                <a:latin typeface="Lato Light" charset="0"/>
+                <a:ea typeface="Lato Light" charset="0"/>
+                <a:cs typeface="Lato Light" charset="0"/>
+              </a:rPr>
+              <a:t>the </a:t>
+            </a:r>
+            <a:r>
+              <a:rPr lang="en-US" sz="2000" i="0" dirty="0" smtClean="0">
+                <a:solidFill>
+                  <a:srgbClr val="383F4C"/>
+                </a:solidFill>
+                <a:latin typeface="Lato Light" charset="0"/>
+                <a:ea typeface="Lato Light" charset="0"/>
+                <a:cs typeface="Lato Light" charset="0"/>
+              </a:rPr>
+              <a:t>HKU </a:t>
+            </a:r>
+            <a:r>
+              <a:rPr lang="en-US" sz="2000" i="0" dirty="0" smtClean="0">
+                <a:solidFill>
+                  <a:srgbClr val="383F4C"/>
+                </a:solidFill>
+                <a:latin typeface="Lato Light" charset="0"/>
+                <a:ea typeface="Lato Light" charset="0"/>
+                <a:cs typeface="Lato Light" charset="0"/>
+              </a:rPr>
+              <a:t>logo is placed </a:t>
+            </a:r>
+            <a:r>
+              <a:rPr lang="en-US" sz="2000" i="0" dirty="0" smtClean="0">
+                <a:solidFill>
+                  <a:srgbClr val="383F4C"/>
+                </a:solidFill>
+                <a:latin typeface="Lato Light" charset="0"/>
+                <a:ea typeface="Lato Light" charset="0"/>
+                <a:cs typeface="Lato Light" charset="0"/>
+              </a:rPr>
+              <a:t>on the </a:t>
+            </a:r>
+            <a:r>
+              <a:rPr lang="en-US" sz="2000" i="0" dirty="0" smtClean="0">
+                <a:solidFill>
+                  <a:srgbClr val="383F4C"/>
+                </a:solidFill>
+                <a:latin typeface="Lato Light" charset="0"/>
+                <a:ea typeface="Lato Light" charset="0"/>
+                <a:cs typeface="Lato Light" charset="0"/>
+              </a:rPr>
+              <a:t>landing </a:t>
+            </a:r>
+            <a:r>
+              <a:rPr lang="en-US" sz="2000" i="0" dirty="0" smtClean="0">
+                <a:solidFill>
+                  <a:srgbClr val="383F4C"/>
+                </a:solidFill>
+                <a:latin typeface="Lato Light" charset="0"/>
+                <a:ea typeface="Lato Light" charset="0"/>
+                <a:cs typeface="Lato Light" charset="0"/>
+              </a:rPr>
+              <a:t>page itself. The </a:t>
+            </a:r>
+            <a:r>
+              <a:rPr lang="en-US" sz="2000" i="0" dirty="0" smtClean="0">
+                <a:solidFill>
+                  <a:srgbClr val="383F4C"/>
+                </a:solidFill>
+                <a:latin typeface="Lato Light" charset="0"/>
+                <a:ea typeface="Lato Light" charset="0"/>
+                <a:cs typeface="Lato Light" charset="0"/>
+              </a:rPr>
+              <a:t>HKU logo </a:t>
+            </a:r>
+            <a:r>
+              <a:rPr lang="en-US" sz="2000" i="0" dirty="0" smtClean="0">
+                <a:solidFill>
+                  <a:srgbClr val="383F4C"/>
+                </a:solidFill>
+                <a:latin typeface="Lato Light" charset="0"/>
+                <a:ea typeface="Lato Light" charset="0"/>
+                <a:cs typeface="Lato Light" charset="0"/>
+              </a:rPr>
+              <a:t>has been </a:t>
+            </a:r>
+            <a:r>
+              <a:rPr lang="en-US" sz="2000" i="0" dirty="0" smtClean="0">
+                <a:solidFill>
+                  <a:srgbClr val="383F4C"/>
+                </a:solidFill>
+                <a:latin typeface="Lato Light" charset="0"/>
+                <a:ea typeface="Lato Light" charset="0"/>
+                <a:cs typeface="Lato Light" charset="0"/>
+              </a:rPr>
+              <a:t>redrawn with </a:t>
+            </a:r>
+            <a:r>
+              <a:rPr lang="en-US" sz="2000" i="0" dirty="0" smtClean="0">
+                <a:solidFill>
+                  <a:srgbClr val="383F4C"/>
+                </a:solidFill>
+                <a:latin typeface="Lato Light" charset="0"/>
+                <a:ea typeface="Lato Light" charset="0"/>
+                <a:cs typeface="Lato Light" charset="0"/>
+              </a:rPr>
+              <a:t>a wireframe look to fit the minimalism we </a:t>
+            </a:r>
+            <a:r>
+              <a:rPr lang="en-US" sz="2000" i="0" dirty="0" smtClean="0">
+                <a:solidFill>
+                  <a:srgbClr val="383F4C"/>
+                </a:solidFill>
+                <a:latin typeface="Lato Light" charset="0"/>
+                <a:ea typeface="Lato Light" charset="0"/>
+                <a:cs typeface="Lato Light" charset="0"/>
+              </a:rPr>
+              <a:t>are aiming </a:t>
+            </a:r>
+            <a:r>
+              <a:rPr lang="en-US" sz="2000" i="0" dirty="0" smtClean="0">
+                <a:solidFill>
+                  <a:srgbClr val="383F4C"/>
+                </a:solidFill>
+                <a:latin typeface="Lato Light" charset="0"/>
+                <a:ea typeface="Lato Light" charset="0"/>
+                <a:cs typeface="Lato Light" charset="0"/>
+              </a:rPr>
+              <a:t>for</a:t>
+            </a:r>
+            <a:r>
+              <a:rPr lang="en-US" sz="2000" i="0" dirty="0" smtClean="0">
+                <a:solidFill>
+                  <a:srgbClr val="383F4C"/>
+                </a:solidFill>
+                <a:latin typeface="Lato Light" charset="0"/>
+                <a:ea typeface="Lato Light" charset="0"/>
+                <a:cs typeface="Lato Light" charset="0"/>
+              </a:rPr>
+              <a:t>.</a:t>
+            </a:r>
+          </a:p>
+          <a:p>
+            <a:pPr marL="342900" indent="-342900" algn="l">
+              <a:buClr>
+                <a:srgbClr val="A0B1C1"/>
+              </a:buClr>
+              <a:buFont typeface="Arial" charset="0"/>
+              <a:buChar char="•"/>
+            </a:pPr>
+            <a:endParaRPr lang="en-US" sz="2000" i="0" dirty="0" smtClean="0">
+              <a:solidFill>
+                <a:srgbClr val="383F4C"/>
+              </a:solidFill>
+              <a:latin typeface="Lato Light" charset="0"/>
+              <a:ea typeface="Lato Light" charset="0"/>
+              <a:cs typeface="Lato Light" charset="0"/>
+            </a:endParaRPr>
+          </a:p>
+          <a:p>
+            <a:pPr marL="342900" indent="-342900" algn="l">
+              <a:buClr>
+                <a:srgbClr val="A0B1C1"/>
+              </a:buClr>
+              <a:buFont typeface="Arial" charset="0"/>
+              <a:buChar char="•"/>
+            </a:pPr>
+            <a:endParaRPr lang="en-US" sz="2000" i="0" dirty="0" smtClean="0">
+              <a:solidFill>
+                <a:srgbClr val="383F4C"/>
+              </a:solidFill>
+              <a:latin typeface="Lato Light" charset="0"/>
+              <a:ea typeface="Lato Light" charset="0"/>
+              <a:cs typeface="Lato Light" charset="0"/>
+            </a:endParaRPr>
+          </a:p>
+          <a:p>
+            <a:pPr marL="342900" indent="-342900" algn="l">
+              <a:buClr>
+                <a:srgbClr val="A0B1C1"/>
+              </a:buClr>
+              <a:buFont typeface="Arial" charset="0"/>
+              <a:buChar char="•"/>
+            </a:pPr>
+            <a:r>
+              <a:rPr lang="en-US" sz="2000" i="0" dirty="0">
+                <a:solidFill>
+                  <a:srgbClr val="383F4C"/>
+                </a:solidFill>
+                <a:latin typeface="Lato Light" charset="0"/>
+                <a:ea typeface="Lato Light" charset="0"/>
+                <a:cs typeface="Lato Light" charset="0"/>
+              </a:rPr>
+              <a:t>T</a:t>
+            </a:r>
+            <a:r>
+              <a:rPr lang="en-US" sz="2000" i="0" dirty="0" smtClean="0">
+                <a:solidFill>
+                  <a:srgbClr val="383F4C"/>
+                </a:solidFill>
+                <a:latin typeface="Lato Light" charset="0"/>
+                <a:ea typeface="Lato Light" charset="0"/>
+                <a:cs typeface="Lato Light" charset="0"/>
+              </a:rPr>
+              <a:t>he </a:t>
+            </a:r>
+            <a:r>
+              <a:rPr lang="en-US" sz="2000" i="0" dirty="0" smtClean="0">
+                <a:solidFill>
+                  <a:srgbClr val="383F4C"/>
+                </a:solidFill>
+                <a:latin typeface="Lato Light" charset="0"/>
+                <a:ea typeface="Lato Light" charset="0"/>
+                <a:cs typeface="Lato Light" charset="0"/>
+              </a:rPr>
+              <a:t>game logo </a:t>
+            </a:r>
+            <a:r>
+              <a:rPr lang="en-US" sz="2000" i="0" dirty="0" smtClean="0">
+                <a:solidFill>
+                  <a:srgbClr val="383F4C"/>
+                </a:solidFill>
+                <a:latin typeface="Lato Light" charset="0"/>
+                <a:ea typeface="Lato Light" charset="0"/>
+                <a:cs typeface="Lato Light" charset="0"/>
+              </a:rPr>
+              <a:t>has been designed to make it both inviting with the use of colours, as well as interesting by introducing asymmetry.</a:t>
+            </a:r>
+          </a:p>
+        </p:txBody>
+      </p:sp>
     </p:spTree>
     <p:extLst>
       <p:ext uri="{BB962C8B-B14F-4D97-AF65-F5344CB8AC3E}">
-        <p14:creationId xmlns:p14="http://schemas.microsoft.com/office/powerpoint/2010/main" val="2122466788"/>
+        <p14:creationId xmlns:p14="http://schemas.microsoft.com/office/powerpoint/2010/main" val="1107096180"/>
       </p:ext>
     </p:extLst>
   </p:cSld>
@@ -5448,19 +6284,20 @@
         </p:nvSpPr>
         <p:spPr>
           <a:xfrm>
-            <a:off x="425302" y="559679"/>
-            <a:ext cx="7227522" cy="784830"/>
+            <a:off x="0" y="990"/>
+            <a:ext cx="12192000" cy="784830"/>
           </a:xfrm>
           <a:solidFill>
             <a:srgbClr val="63717C"/>
           </a:solidFill>
         </p:spPr>
         <p:txBody>
-          <a:bodyPr wrap="square">
+          <a:bodyPr anchor="ctr" anchorCtr="0">
             <a:spAutoFit/>
           </a:bodyPr>
           <a:lstStyle/>
           <a:p>
+            <a:pPr algn="l"/>
             <a:r>
               <a:rPr lang="en-US" dirty="0" smtClean="0">
                 <a:solidFill>
@@ -5470,7 +6307,7 @@
                 <a:ea typeface="Lato Light" charset="0"/>
                 <a:cs typeface="Lato Light" charset="0"/>
               </a:rPr>
-              <a:t>Concept Mockup</a:t>
+              <a:t>   Feature List: Design</a:t>
             </a:r>
             <a:endParaRPr lang="en-US" dirty="0">
               <a:latin typeface="Lato Light" charset="0"/>
@@ -5480,35 +6317,6 @@
           </a:p>
         </p:txBody>
       </p:sp>
-      <p:pic>
-        <p:nvPicPr>
-          <p:cNvPr id="8" name="Content Placeholder 7"/>
-          <p:cNvPicPr>
-            <a:picLocks noGrp="1" noChangeAspect="1"/>
-          </p:cNvPicPr>
-          <p:nvPr>
-            <p:ph idx="1"/>
-          </p:nvPr>
-        </p:nvPicPr>
-        <p:blipFill>
-          <a:blip r:embed="rId2">
-            <a:extLst>
-              <a:ext uri="{28A0092B-C50C-407E-A947-70E740481C1C}">
-                <a14:useLocalDpi xmlns:a14="http://schemas.microsoft.com/office/drawing/2010/main" val="0"/>
-              </a:ext>
-            </a:extLst>
-          </a:blip>
-          <a:stretch>
-            <a:fillRect/>
-          </a:stretch>
-        </p:blipFill>
-        <p:spPr>
-          <a:xfrm>
-            <a:off x="8437384" y="568325"/>
-            <a:ext cx="3045679" cy="5656262"/>
-          </a:xfrm>
-        </p:spPr>
-      </p:pic>
       <p:sp>
         <p:nvSpPr>
           <p:cNvPr id="9" name="Title 5"/>
@@ -5519,16 +6327,16 @@
         </p:nvSpPr>
         <p:spPr>
           <a:xfrm>
-            <a:off x="425303" y="1589649"/>
-            <a:ext cx="7227522" cy="3693319"/>
+            <a:off x="422031" y="1252025"/>
+            <a:ext cx="11338560" cy="4587301"/>
           </a:xfrm>
           <a:prstGeom prst="rect">
             <a:avLst/>
           </a:prstGeom>
         </p:spPr>
         <p:txBody>
-          <a:bodyPr vert="horz" wrap="square" lIns="91440" tIns="45720" rIns="91440" bIns="45720" rtlCol="0" anchor="t">
-            <a:spAutoFit/>
+          <a:bodyPr vert="horz" lIns="91440" tIns="45720" rIns="91440" bIns="45720" rtlCol="0" anchor="t">
+            <a:normAutofit/>
           </a:bodyPr>
           <a:lstStyle>
             <a:lvl1pPr algn="r" defTabSz="914400" rtl="0" eaLnBrk="1" latinLnBrk="0" hangingPunct="1">
@@ -5553,7 +6361,24 @@
             </a:lvl1pPr>
           </a:lstStyle>
           <a:p>
-            <a:pPr algn="l"/>
+            <a:pPr marL="342900" indent="-342900" algn="l">
+              <a:buClr>
+                <a:srgbClr val="788691"/>
+              </a:buClr>
+              <a:buFont typeface="Arial" charset="0"/>
+              <a:buChar char="•"/>
+            </a:pPr>
+            <a:r>
+              <a:rPr lang="en-US" sz="2000" dirty="0" smtClean="0">
+                <a:solidFill>
+                  <a:srgbClr val="383F4C"/>
+                </a:solidFill>
+                <a:latin typeface="Lato" charset="0"/>
+                <a:ea typeface="Lato" charset="0"/>
+                <a:cs typeface="Lato" charset="0"/>
+              </a:rPr>
+              <a:t>Design Features:	</a:t>
+            </a:r>
             <a:r>
               <a:rPr lang="en-US" sz="2000" i="0" dirty="0" smtClean="0">
                 <a:solidFill>
@@ -5563,11 +6388,59 @@
                 <a:ea typeface="Lato Light" charset="0"/>
                 <a:cs typeface="Lato Light" charset="0"/>
               </a:rPr>
-              <a:t>This is the first pass on the app’s design and aesthetics. Some pointers about the design process:</a:t>
-            </a:r>
-          </a:p>
-          <a:p>
-            <a:pPr algn="l"/>
+              <a:t>Intuitive Gestures</a:t>
+            </a:r>
+          </a:p>
+          <a:p>
+            <a:pPr algn="l">
+              <a:buClr>
+                <a:srgbClr val="788691"/>
+              </a:buClr>
+            </a:pPr>
+            <a:r>
+              <a:rPr lang="en-US" sz="2000" i="0" dirty="0" smtClean="0">
+                <a:solidFill>
+                  <a:srgbClr val="383F4C"/>
+                </a:solidFill>
+                <a:latin typeface="Lato Light" charset="0"/>
+                <a:ea typeface="Lato Light" charset="0"/>
+                <a:cs typeface="Lato Light" charset="0"/>
+              </a:rPr>
+              <a:t>		</a:t>
+            </a:r>
+            <a:r>
+              <a:rPr lang="en-US" sz="2000" i="0" dirty="0">
+                <a:solidFill>
+                  <a:srgbClr val="383F4C"/>
+                </a:solidFill>
+                <a:latin typeface="Lato Light" charset="0"/>
+                <a:ea typeface="Lato Light" charset="0"/>
+                <a:cs typeface="Lato Light" charset="0"/>
+              </a:rPr>
+              <a:t>	</a:t>
+            </a:r>
+            <a:r>
+              <a:rPr lang="en-US" sz="2000" i="0" dirty="0" smtClean="0">
+                <a:solidFill>
+                  <a:srgbClr val="383F4C"/>
+                </a:solidFill>
+                <a:latin typeface="Lato Light" charset="0"/>
+                <a:ea typeface="Lato Light" charset="0"/>
+                <a:cs typeface="Lato Light" charset="0"/>
+              </a:rPr>
+              <a:t>3D Card </a:t>
+            </a:r>
+            <a:r>
+              <a:rPr lang="en-US" sz="2000" i="0" dirty="0">
+                <a:solidFill>
+                  <a:srgbClr val="383F4C"/>
+                </a:solidFill>
+                <a:latin typeface="Lato Light" charset="0"/>
+                <a:ea typeface="Lato Light" charset="0"/>
+                <a:cs typeface="Lato Light" charset="0"/>
+              </a:rPr>
+              <a:t>flip animations</a:t>
+            </a:r>
             <a:endParaRPr lang="en-US" sz="2000" i="0" dirty="0" smtClean="0">
               <a:solidFill>
                 <a:srgbClr val="383F4C"/>
@@ -5578,7 +6451,33 @@
             </a:endParaRPr>
           </a:p>
           <a:p>
-            <a:pPr algn="l"/>
+            <a:pPr algn="l">
+              <a:buClr>
+                <a:srgbClr val="788691"/>
+              </a:buClr>
+            </a:pPr>
+            <a:r>
+              <a:rPr lang="en-US" sz="2000" i="0" dirty="0">
+                <a:solidFill>
+                  <a:srgbClr val="383F4C"/>
+                </a:solidFill>
+                <a:latin typeface="Lato Light" charset="0"/>
+                <a:ea typeface="Lato Light" charset="0"/>
+                <a:cs typeface="Lato Light" charset="0"/>
+              </a:rPr>
+              <a:t>	</a:t>
+            </a:r>
+            <a:r>
+              <a:rPr lang="en-US" sz="2000" i="0" dirty="0" smtClean="0">
+                <a:solidFill>
+                  <a:srgbClr val="383F4C"/>
+                </a:solidFill>
+                <a:latin typeface="Lato Light" charset="0"/>
+                <a:ea typeface="Lato Light" charset="0"/>
+                <a:cs typeface="Lato Light" charset="0"/>
+              </a:rPr>
+              <a:t>		Intent and fragment animations</a:t>
+            </a:r>
             <a:endParaRPr lang="en-US" sz="2000" i="0" dirty="0">
               <a:solidFill>
                 <a:srgbClr val="383F4C"/>
@@ -5589,29 +6488,107 @@
             </a:endParaRPr>
           </a:p>
           <a:p>
+            <a:pPr algn="l">
+              <a:buClr>
+                <a:srgbClr val="788691"/>
+              </a:buClr>
+            </a:pPr>
+            <a:r>
+              <a:rPr lang="en-US" sz="2000" dirty="0" smtClean="0">
+                <a:solidFill>
+                  <a:srgbClr val="383F4C"/>
+                </a:solidFill>
+                <a:latin typeface="Lato" charset="0"/>
+                <a:ea typeface="Lato" charset="0"/>
+                <a:cs typeface="Lato" charset="0"/>
+              </a:rPr>
+              <a:t>			</a:t>
+            </a:r>
+            <a:r>
+              <a:rPr lang="en-US" sz="2000" i="0" dirty="0" smtClean="0">
+                <a:solidFill>
+                  <a:srgbClr val="383F4C"/>
+                </a:solidFill>
+                <a:latin typeface="Lato Light" charset="0"/>
+                <a:ea typeface="Lato Light" charset="0"/>
+                <a:cs typeface="Lato Light" charset="0"/>
+              </a:rPr>
+              <a:t>Asset design for multiple devices and screen sizes</a:t>
+            </a:r>
+          </a:p>
+          <a:p>
+            <a:pPr algn="l">
+              <a:buClr>
+                <a:srgbClr val="788691"/>
+              </a:buClr>
+            </a:pPr>
+            <a:r>
+              <a:rPr lang="en-US" sz="2000" i="0" dirty="0" smtClean="0">
+                <a:solidFill>
+                  <a:srgbClr val="383F4C"/>
+                </a:solidFill>
+                <a:latin typeface="Lato Light" charset="0"/>
+                <a:ea typeface="Lato Light" charset="0"/>
+                <a:cs typeface="Lato Light" charset="0"/>
+              </a:rPr>
+              <a:t> </a:t>
+            </a:r>
+            <a:endParaRPr lang="en-US" sz="2000" dirty="0" smtClean="0">
+              <a:solidFill>
+                <a:srgbClr val="383F4C"/>
+              </a:solidFill>
+              <a:latin typeface="Lato" charset="0"/>
+              <a:ea typeface="Lato" charset="0"/>
+              <a:cs typeface="Lato" charset="0"/>
+            </a:endParaRPr>
+          </a:p>
+          <a:p>
+            <a:pPr algn="l">
+              <a:buClr>
+                <a:srgbClr val="788691"/>
+              </a:buClr>
+            </a:pPr>
+            <a:endParaRPr lang="en-US" sz="2000" dirty="0" smtClean="0">
+              <a:solidFill>
+                <a:srgbClr val="383F4C"/>
+              </a:solidFill>
+              <a:latin typeface="Lato" charset="0"/>
+              <a:ea typeface="Lato" charset="0"/>
+              <a:cs typeface="Lato" charset="0"/>
+            </a:endParaRPr>
+          </a:p>
+          <a:p>
             <a:pPr marL="342900" indent="-342900" algn="l">
               <a:buClr>
-                <a:srgbClr val="A0B1C1"/>
+                <a:srgbClr val="788691"/>
               </a:buClr>
               <a:buFont typeface="Arial" charset="0"/>
               <a:buChar char="•"/>
             </a:pPr>
             <a:r>
-              <a:rPr lang="en-US" sz="2000" i="0" dirty="0" smtClean="0">
-                <a:solidFill>
-                  <a:srgbClr val="383F4C"/>
-                </a:solidFill>
-                <a:latin typeface="Lato Light" charset="0"/>
-                <a:ea typeface="Lato Light" charset="0"/>
-                <a:cs typeface="Lato Light" charset="0"/>
-              </a:rPr>
-              <a:t>In accordance to the brief, we have decided to incorporate the HKU logo on the starting page itself. The logo has been redrawn for this purpose with a wireframe look to fit the minimalism we strive for.</a:t>
-            </a:r>
+              <a:rPr lang="en-US" sz="2000" dirty="0" smtClean="0">
+                <a:solidFill>
+                  <a:srgbClr val="383F4C"/>
+                </a:solidFill>
+                <a:latin typeface="Lato" charset="0"/>
+                <a:ea typeface="Lato" charset="0"/>
+                <a:cs typeface="Lato" charset="0"/>
+              </a:rPr>
+              <a:t>Colour Palette:</a:t>
+            </a:r>
+            <a:endParaRPr lang="en-US" sz="2000" i="0" dirty="0">
+              <a:solidFill>
+                <a:srgbClr val="383F4C"/>
+              </a:solidFill>
+              <a:latin typeface="Lato Light" charset="0"/>
+              <a:ea typeface="Lato Light" charset="0"/>
+              <a:cs typeface="Lato Light" charset="0"/>
+            </a:endParaRPr>
           </a:p>
           <a:p>
             <a:pPr marL="342900" indent="-342900" algn="l">
               <a:buClr>
-                <a:srgbClr val="A0B1C1"/>
+                <a:srgbClr val="788691"/>
               </a:buClr>
               <a:buFont typeface="Arial" charset="0"/>
               <a:buChar char="•"/>
@@ -5628,7 +6605,24 @@
           <a:p>
             <a:pPr marL="342900" indent="-342900" algn="l">
               <a:buClr>
-                <a:srgbClr val="A0B1C1"/>
+                <a:srgbClr val="788691"/>
+              </a:buClr>
+              <a:buFont typeface="Arial" charset="0"/>
+              <a:buChar char="•"/>
+            </a:pPr>
+            <a:endParaRPr lang="en-US" sz="2000" i="0" dirty="0">
+              <a:solidFill>
+                <a:srgbClr val="383F4C"/>
+              </a:solidFill>
+              <a:latin typeface="Lato Light" charset="0"/>
+              <a:ea typeface="Lato Light" charset="0"/>
+              <a:cs typeface="Lato Light" charset="0"/>
+            </a:endParaRPr>
+          </a:p>
+          <a:p>
+            <a:pPr marL="342900" indent="-342900" algn="l">
+              <a:buClr>
+                <a:srgbClr val="788691"/>
               </a:buClr>
               <a:buFont typeface="Arial" charset="0"/>
               <a:buChar char="•"/>
@@ -5645,40 +6639,293 @@
           <a:p>
             <a:pPr marL="342900" indent="-342900" algn="l">
               <a:buClr>
-                <a:srgbClr val="A0B1C1"/>
+                <a:srgbClr val="788691"/>
               </a:buClr>
               <a:buFont typeface="Arial" charset="0"/>
               <a:buChar char="•"/>
             </a:pPr>
-            <a:r>
-              <a:rPr lang="en-US" sz="2000" i="0" dirty="0">
-                <a:solidFill>
-                  <a:srgbClr val="383F4C"/>
-                </a:solidFill>
-                <a:latin typeface="Lato Light" charset="0"/>
-                <a:ea typeface="Lato Light" charset="0"/>
-                <a:cs typeface="Lato Light" charset="0"/>
-              </a:rPr>
-              <a:t>T</a:t>
-            </a:r>
-            <a:r>
-              <a:rPr lang="en-US" sz="2000" i="0" dirty="0" smtClean="0">
-                <a:solidFill>
-                  <a:srgbClr val="383F4C"/>
-                </a:solidFill>
-                <a:latin typeface="Lato Light" charset="0"/>
-                <a:ea typeface="Lato Light" charset="0"/>
-                <a:cs typeface="Lato Light" charset="0"/>
-              </a:rPr>
-              <a:t>he app logo has been designed to make it both inviting with the use of colours, as well as interesting by introducing asymmetry.</a:t>
+            <a:endParaRPr lang="en-US" sz="2000" i="0" dirty="0">
+              <a:solidFill>
+                <a:srgbClr val="383F4C"/>
+              </a:solidFill>
+              <a:latin typeface="Lato Light" charset="0"/>
+              <a:ea typeface="Lato Light" charset="0"/>
+              <a:cs typeface="Lato Light" charset="0"/>
+            </a:endParaRPr>
+          </a:p>
+          <a:p>
+            <a:pPr marL="342900" indent="-342900" algn="l">
+              <a:buClr>
+                <a:srgbClr val="788691"/>
+              </a:buClr>
+              <a:buFont typeface="Arial" charset="0"/>
+              <a:buChar char="•"/>
+            </a:pPr>
+            <a:endParaRPr lang="en-US" sz="2000" i="0" dirty="0" smtClean="0">
+              <a:solidFill>
+                <a:srgbClr val="383F4C"/>
+              </a:solidFill>
+              <a:latin typeface="Lato Light" charset="0"/>
+              <a:ea typeface="Lato Light" charset="0"/>
+              <a:cs typeface="Lato Light" charset="0"/>
+            </a:endParaRPr>
+          </a:p>
+          <a:p>
+            <a:pPr marL="342900" indent="-342900" algn="l">
+              <a:buClr>
+                <a:srgbClr val="788691"/>
+              </a:buClr>
+              <a:buFont typeface="Arial" charset="0"/>
+              <a:buChar char="•"/>
+            </a:pPr>
+            <a:endParaRPr lang="en-US" sz="2000" i="0" dirty="0">
+              <a:solidFill>
+                <a:srgbClr val="383F4C"/>
+              </a:solidFill>
+              <a:latin typeface="Lato Light" charset="0"/>
+              <a:ea typeface="Lato Light" charset="0"/>
+              <a:cs typeface="Lato Light" charset="0"/>
+            </a:endParaRPr>
+          </a:p>
+          <a:p>
+            <a:pPr algn="l">
+              <a:buClr>
+                <a:srgbClr val="788691"/>
+              </a:buClr>
+            </a:pPr>
+            <a:endParaRPr lang="en-US" sz="2000" i="0" dirty="0" smtClean="0">
+              <a:solidFill>
+                <a:srgbClr val="383F4C"/>
+              </a:solidFill>
+              <a:latin typeface="Lato Light" charset="0"/>
+              <a:ea typeface="Lato Light" charset="0"/>
+              <a:cs typeface="Lato Light" charset="0"/>
+            </a:endParaRPr>
+          </a:p>
+          <a:p>
+            <a:pPr algn="l">
+              <a:buClr>
+                <a:srgbClr val="788691"/>
+              </a:buClr>
+            </a:pPr>
+            <a:r>
+              <a:rPr lang="en-US" sz="1800" dirty="0" smtClean="0">
+                <a:solidFill>
+                  <a:srgbClr val="383F4C"/>
+                </a:solidFill>
+                <a:latin typeface="Lato Light" charset="0"/>
+                <a:ea typeface="Lato Light" charset="0"/>
+                <a:cs typeface="Lato Light" charset="0"/>
+              </a:rPr>
+              <a:t>The </a:t>
+            </a:r>
+            <a:r>
+              <a:rPr lang="en-US" sz="1800" dirty="0">
+                <a:solidFill>
+                  <a:srgbClr val="383F4C"/>
+                </a:solidFill>
+                <a:latin typeface="Lato Light" charset="0"/>
+                <a:ea typeface="Lato Light" charset="0"/>
+                <a:cs typeface="Lato Light" charset="0"/>
+              </a:rPr>
+              <a:t>colour palette is inspired from Base16: </a:t>
+            </a:r>
+            <a:r>
+              <a:rPr lang="en-US" sz="1800" dirty="0" smtClean="0">
+                <a:solidFill>
+                  <a:srgbClr val="383F4C"/>
+                </a:solidFill>
+                <a:latin typeface="Lato Light" charset="0"/>
+                <a:ea typeface="Lato Light" charset="0"/>
+                <a:cs typeface="Lato Light" charset="0"/>
+              </a:rPr>
+              <a:t>Ocean by Chris Kempson</a:t>
+            </a:r>
+            <a:r>
+              <a:rPr lang="en-US" sz="1800" dirty="0">
+                <a:solidFill>
+                  <a:srgbClr val="383F4C"/>
+                </a:solidFill>
+                <a:latin typeface="Lato Light" charset="0"/>
+                <a:ea typeface="Lato Light" charset="0"/>
+                <a:cs typeface="Lato Light" charset="0"/>
+              </a:rPr>
+              <a:t> </a:t>
+            </a:r>
+            <a:r>
+              <a:rPr lang="en-US" sz="1800" i="0" dirty="0" smtClean="0">
+                <a:solidFill>
+                  <a:srgbClr val="383F4C"/>
+                </a:solidFill>
+                <a:latin typeface="Lato Light" charset="0"/>
+                <a:ea typeface="Lato Light" charset="0"/>
+                <a:cs typeface="Lato Light" charset="0"/>
+              </a:rPr>
+              <a:t>‣</a:t>
+            </a:r>
+            <a:r>
+              <a:rPr lang="en-US" sz="1800" dirty="0" smtClean="0">
+                <a:solidFill>
+                  <a:srgbClr val="383F4C"/>
+                </a:solidFill>
+                <a:latin typeface="Lato Light" charset="0"/>
+                <a:ea typeface="Lato Light" charset="0"/>
+                <a:cs typeface="Lato Light" charset="0"/>
+              </a:rPr>
+              <a:t> </a:t>
+            </a:r>
+            <a:r>
+              <a:rPr lang="en-US" sz="1800" dirty="0" err="1" smtClean="0">
+                <a:solidFill>
+                  <a:srgbClr val="A0B1C1"/>
+                </a:solidFill>
+                <a:latin typeface="Lato Light" charset="0"/>
+                <a:ea typeface="Lato Light" charset="0"/>
+                <a:cs typeface="Lato Light" charset="0"/>
+              </a:rPr>
+              <a:t>chriskempson.github.io</a:t>
+            </a:r>
+            <a:r>
+              <a:rPr lang="en-US" sz="1800" dirty="0" smtClean="0">
+                <a:solidFill>
+                  <a:srgbClr val="A0B1C1"/>
+                </a:solidFill>
+                <a:latin typeface="Lato Light" charset="0"/>
+                <a:ea typeface="Lato Light" charset="0"/>
+                <a:cs typeface="Lato Light" charset="0"/>
+              </a:rPr>
+              <a:t>/base16</a:t>
+            </a:r>
+            <a:r>
+              <a:rPr lang="en-US" sz="1800" dirty="0">
+                <a:solidFill>
+                  <a:srgbClr val="A0B1C1"/>
+                </a:solidFill>
+                <a:latin typeface="Lato Light" charset="0"/>
+                <a:ea typeface="Lato Light" charset="0"/>
+                <a:cs typeface="Lato Light" charset="0"/>
+              </a:rPr>
+              <a:t>/#</a:t>
+            </a:r>
+            <a:r>
+              <a:rPr lang="en-US" sz="1800" dirty="0" smtClean="0">
+                <a:solidFill>
+                  <a:srgbClr val="A0B1C1"/>
+                </a:solidFill>
+                <a:latin typeface="Lato Light" charset="0"/>
+                <a:ea typeface="Lato Light" charset="0"/>
+                <a:cs typeface="Lato Light" charset="0"/>
+              </a:rPr>
+              <a:t>ocean</a:t>
+            </a:r>
+            <a:endParaRPr lang="en-US" sz="1800" dirty="0" smtClean="0">
+              <a:solidFill>
+                <a:srgbClr val="383F4C"/>
+              </a:solidFill>
+              <a:latin typeface="Lato Light" charset="0"/>
+              <a:ea typeface="Lato Light" charset="0"/>
+              <a:cs typeface="Lato Light" charset="0"/>
+            </a:endParaRPr>
+          </a:p>
+          <a:p>
+            <a:pPr algn="l">
+              <a:buClr>
+                <a:srgbClr val="788691"/>
+              </a:buClr>
+            </a:pPr>
+            <a:r>
+              <a:rPr lang="en-US" sz="1800" dirty="0" smtClean="0">
+                <a:solidFill>
+                  <a:srgbClr val="383F4C"/>
+                </a:solidFill>
+                <a:latin typeface="Lato Light" charset="0"/>
+                <a:ea typeface="Lato Light" charset="0"/>
+                <a:cs typeface="Lato Light" charset="0"/>
+              </a:rPr>
+              <a:t>We plan to make both light and dark versions of the UI with the same colours.</a:t>
             </a:r>
           </a:p>
         </p:txBody>
       </p:sp>
+      <p:grpSp>
+        <p:nvGrpSpPr>
+          <p:cNvPr id="3" name="Group 2"/>
+          <p:cNvGrpSpPr/>
+          <p:nvPr/>
+        </p:nvGrpSpPr>
+        <p:grpSpPr>
+          <a:xfrm>
+            <a:off x="0" y="3454515"/>
+            <a:ext cx="12192000" cy="1434352"/>
+            <a:chOff x="0" y="2480609"/>
+            <a:chExt cx="12192000" cy="1434352"/>
+          </a:xfrm>
+        </p:grpSpPr>
+        <p:pic>
+          <p:nvPicPr>
+            <p:cNvPr id="2" name="Picture 1"/>
+            <p:cNvPicPr>
+              <a:picLocks noChangeAspect="1"/>
+            </p:cNvPicPr>
+            <p:nvPr/>
+          </p:nvPicPr>
+          <p:blipFill>
+            <a:blip r:embed="rId2">
+              <a:extLst>
+                <a:ext uri="{28A0092B-C50C-407E-A947-70E740481C1C}">
+                  <a14:useLocalDpi xmlns:a14="http://schemas.microsoft.com/office/drawing/2010/main" val="0"/>
+                </a:ext>
+              </a:extLst>
+            </a:blip>
+            <a:stretch>
+              <a:fillRect/>
+            </a:stretch>
+          </p:blipFill>
+          <p:spPr>
+            <a:xfrm>
+              <a:off x="0" y="3197785"/>
+              <a:ext cx="12192000" cy="717176"/>
+            </a:xfrm>
+            <a:prstGeom prst="rect">
+              <a:avLst/>
+            </a:prstGeom>
+          </p:spPr>
+        </p:pic>
+        <p:pic>
+          <p:nvPicPr>
+            <p:cNvPr id="5" name="Picture 4"/>
+            <p:cNvPicPr>
+              <a:picLocks noChangeAspect="1"/>
+            </p:cNvPicPr>
+            <p:nvPr/>
+          </p:nvPicPr>
+          <p:blipFill>
+            <a:blip r:embed="rId3">
+              <a:extLst>
+                <a:ext uri="{28A0092B-C50C-407E-A947-70E740481C1C}">
+                  <a14:useLocalDpi xmlns:a14="http://schemas.microsoft.com/office/drawing/2010/main" val="0"/>
+                </a:ext>
+              </a:extLst>
+            </a:blip>
+            <a:stretch>
+              <a:fillRect/>
+            </a:stretch>
+          </p:blipFill>
+          <p:spPr>
+            <a:xfrm>
+              <a:off x="0" y="2480609"/>
+              <a:ext cx="12192000" cy="717176"/>
+            </a:xfrm>
+            <a:prstGeom prst="rect">
+              <a:avLst/>
+            </a:prstGeom>
+          </p:spPr>
+        </p:pic>
+      </p:grpSp>
     </p:spTree>
     <p:extLst>
       <p:ext uri="{BB962C8B-B14F-4D97-AF65-F5344CB8AC3E}">
-        <p14:creationId xmlns:p14="http://schemas.microsoft.com/office/powerpoint/2010/main" val="1107096180"/>
+        <p14:creationId xmlns:p14="http://schemas.microsoft.com/office/powerpoint/2010/main" val="2122466788"/>
       </p:ext>
     </p:extLst>
   </p:cSld>
@@ -5809,7 +7056,35 @@
             </a:lvl1pPr>
           </a:lstStyle>
           <a:p>
-            <a:pPr algn="l"/>
+            <a:pPr marL="342900" indent="-342900" algn="l">
+              <a:buClr>
+                <a:srgbClr val="788691"/>
+              </a:buClr>
+              <a:buFont typeface="Arial" charset="0"/>
+              <a:buChar char="•"/>
+            </a:pPr>
+            <a:r>
+              <a:rPr lang="en-US" sz="2000" dirty="0" smtClean="0">
+                <a:solidFill>
+                  <a:srgbClr val="383F4C"/>
+                </a:solidFill>
+                <a:latin typeface="Lato" charset="0"/>
+                <a:ea typeface="Lato" charset="0"/>
+                <a:cs typeface="Lato" charset="0"/>
+              </a:rPr>
+              <a:t>Game </a:t>
+            </a:r>
+            <a:r>
+              <a:rPr lang="en-US" sz="2000" dirty="0">
+                <a:solidFill>
+                  <a:srgbClr val="383F4C"/>
+                </a:solidFill>
+                <a:latin typeface="Lato" charset="0"/>
+                <a:ea typeface="Lato" charset="0"/>
+                <a:cs typeface="Lato" charset="0"/>
+              </a:rPr>
+              <a:t>Features:	</a:t>
+            </a:r>
             <a:r>
               <a:rPr lang="en-US" sz="2000" i="0" dirty="0" smtClean="0">
                 <a:solidFill>
@@ -5819,11 +7094,17 @@
                 <a:ea typeface="Lato Light" charset="0"/>
                 <a:cs typeface="Lato Light" charset="0"/>
               </a:rPr>
-              <a:t>Some features</a:t>
-            </a:r>
-          </a:p>
-          <a:p>
-            <a:pPr algn="l"/>
+              <a:t>Simple and addictive gameplay</a:t>
+            </a:r>
+          </a:p>
+          <a:p>
+            <a:pPr marL="342900" indent="-342900" algn="l">
+              <a:buClr>
+                <a:srgbClr val="788691"/>
+              </a:buClr>
+              <a:buFont typeface="Arial" charset="0"/>
+              <a:buChar char="•"/>
+            </a:pPr>
             <a:endParaRPr lang="en-US" sz="2000" i="0" dirty="0">
               <a:solidFill>
                 <a:srgbClr val="383F4C"/>
@@ -5834,13 +7115,22 @@
             </a:endParaRPr>
           </a:p>
           <a:p>
-            <a:pPr marL="342900" indent="-342900" algn="l">
-              <a:buClr>
-                <a:srgbClr val="A0B1C1"/>
-              </a:buClr>
-              <a:buFont typeface="Arial" charset="0"/>
-              <a:buChar char="•"/>
-            </a:pPr>
+            <a:pPr algn="l">
+              <a:buClr>
+                <a:srgbClr val="788691"/>
+              </a:buClr>
+            </a:pPr>
+            <a:r>
+              <a:rPr lang="en-US" sz="2000" i="0" dirty="0">
+                <a:solidFill>
+                  <a:srgbClr val="383F4C"/>
+                </a:solidFill>
+                <a:latin typeface="Lato Light" charset="0"/>
+                <a:ea typeface="Lato Light" charset="0"/>
+                <a:cs typeface="Lato Light" charset="0"/>
+              </a:rPr>
+              <a:t>			</a:t>
+            </a:r>
             <a:r>
               <a:rPr lang="en-US" sz="2000" i="0" dirty="0" smtClean="0">
                 <a:solidFill>
@@ -5850,41 +7140,23 @@
                 <a:ea typeface="Lato Light" charset="0"/>
                 <a:cs typeface="Lato Light" charset="0"/>
               </a:rPr>
-              <a:t>Some points </a:t>
-            </a:r>
-            <a:r>
-              <a:rPr lang="en-US" sz="2000" i="0" dirty="0" err="1" smtClean="0">
-                <a:solidFill>
-                  <a:srgbClr val="383F4C"/>
-                </a:solidFill>
-                <a:latin typeface="Lato Light" charset="0"/>
-                <a:ea typeface="Lato Light" charset="0"/>
-                <a:cs typeface="Lato Light" charset="0"/>
-              </a:rPr>
-              <a:t>bla</a:t>
-            </a:r>
-            <a:r>
-              <a:rPr lang="en-US" sz="2000" i="0" dirty="0" smtClean="0">
-                <a:solidFill>
-                  <a:srgbClr val="383F4C"/>
-                </a:solidFill>
-                <a:latin typeface="Lato Light" charset="0"/>
-                <a:ea typeface="Lato Light" charset="0"/>
-                <a:cs typeface="Lato Light" charset="0"/>
-              </a:rPr>
-              <a:t> </a:t>
-            </a:r>
-            <a:r>
-              <a:rPr lang="en-US" sz="2000" i="0" dirty="0" err="1" smtClean="0">
-                <a:solidFill>
-                  <a:srgbClr val="383F4C"/>
-                </a:solidFill>
-                <a:latin typeface="Lato Light" charset="0"/>
-                <a:ea typeface="Lato Light" charset="0"/>
-                <a:cs typeface="Lato Light" charset="0"/>
-              </a:rPr>
-              <a:t>bla</a:t>
-            </a:r>
+              <a:t>SQLite based scoreboard and configurations</a:t>
+            </a:r>
+            <a:endParaRPr lang="en-US" sz="2000" i="0" dirty="0">
+              <a:solidFill>
+                <a:srgbClr val="383F4C"/>
+              </a:solidFill>
+              <a:latin typeface="Lato Light" charset="0"/>
+              <a:ea typeface="Lato Light" charset="0"/>
+              <a:cs typeface="Lato Light" charset="0"/>
+            </a:endParaRPr>
+          </a:p>
+          <a:p>
+            <a:pPr algn="l">
+              <a:buClr>
+                <a:srgbClr val="788691"/>
+              </a:buClr>
+            </a:pPr>
             <a:endParaRPr lang="en-US" sz="2000" i="0" dirty="0" smtClean="0">
               <a:solidFill>
                 <a:srgbClr val="383F4C"/>
@@ -5895,13 +7167,193 @@
             </a:endParaRPr>
           </a:p>
           <a:p>
+            <a:pPr algn="l">
+              <a:buClr>
+                <a:srgbClr val="788691"/>
+              </a:buClr>
+            </a:pPr>
+            <a:r>
+              <a:rPr lang="en-US" sz="2000" i="0" dirty="0" smtClean="0">
+                <a:solidFill>
+                  <a:srgbClr val="383F4C"/>
+                </a:solidFill>
+                <a:latin typeface="Lato Light" charset="0"/>
+                <a:ea typeface="Lato Light" charset="0"/>
+                <a:cs typeface="Lato Light" charset="0"/>
+              </a:rPr>
+              <a:t>			Multiple card packs – Available and Unlockable</a:t>
+            </a:r>
+          </a:p>
+          <a:p>
+            <a:pPr algn="l">
+              <a:buClr>
+                <a:srgbClr val="788691"/>
+              </a:buClr>
+            </a:pPr>
+            <a:endParaRPr lang="en-US" sz="2000" dirty="0" smtClean="0">
+              <a:solidFill>
+                <a:srgbClr val="383F4C"/>
+              </a:solidFill>
+              <a:latin typeface="Lato" charset="0"/>
+              <a:ea typeface="Lato" charset="0"/>
+              <a:cs typeface="Lato" charset="0"/>
+            </a:endParaRPr>
+          </a:p>
+          <a:p>
+            <a:pPr algn="l">
+              <a:buClr>
+                <a:srgbClr val="788691"/>
+              </a:buClr>
+            </a:pPr>
+            <a:r>
+              <a:rPr lang="en-US" sz="2000" dirty="0">
+                <a:solidFill>
+                  <a:srgbClr val="383F4C"/>
+                </a:solidFill>
+                <a:latin typeface="Lato" charset="0"/>
+                <a:ea typeface="Lato" charset="0"/>
+                <a:cs typeface="Lato" charset="0"/>
+              </a:rPr>
+              <a:t>			</a:t>
+            </a:r>
+            <a:r>
+              <a:rPr lang="en-US" sz="2000" i="0" dirty="0">
+                <a:solidFill>
+                  <a:srgbClr val="383F4C"/>
+                </a:solidFill>
+                <a:latin typeface="Lato Light" charset="0"/>
+                <a:ea typeface="Lato Light" charset="0"/>
+                <a:cs typeface="Lato Light" charset="0"/>
+              </a:rPr>
+              <a:t>Rewards feature based on combos which gives coins</a:t>
+            </a:r>
+          </a:p>
+          <a:p>
+            <a:pPr algn="l">
+              <a:buClr>
+                <a:srgbClr val="788691"/>
+              </a:buClr>
+            </a:pPr>
+            <a:endParaRPr lang="en-US" sz="2000" i="0" dirty="0" smtClean="0">
+              <a:solidFill>
+                <a:srgbClr val="383F4C"/>
+              </a:solidFill>
+              <a:latin typeface="Lato Light" charset="0"/>
+              <a:ea typeface="Lato Light" charset="0"/>
+              <a:cs typeface="Lato Light" charset="0"/>
+            </a:endParaRPr>
+          </a:p>
+          <a:p>
+            <a:pPr algn="l">
+              <a:buClr>
+                <a:srgbClr val="788691"/>
+              </a:buClr>
+            </a:pPr>
+            <a:r>
+              <a:rPr lang="en-US" sz="2000" i="0" dirty="0">
+                <a:solidFill>
+                  <a:srgbClr val="383F4C"/>
+                </a:solidFill>
+                <a:latin typeface="Lato Light" charset="0"/>
+                <a:ea typeface="Lato Light" charset="0"/>
+                <a:cs typeface="Lato Light" charset="0"/>
+              </a:rPr>
+              <a:t>			Different game modes – Normal, Time </a:t>
+            </a:r>
+            <a:r>
+              <a:rPr lang="en-US" sz="2000" i="0" dirty="0" smtClean="0">
+                <a:solidFill>
+                  <a:srgbClr val="383F4C"/>
+                </a:solidFill>
+                <a:latin typeface="Lato Light" charset="0"/>
+                <a:ea typeface="Lato Light" charset="0"/>
+                <a:cs typeface="Lato Light" charset="0"/>
+              </a:rPr>
+              <a:t>Attack and </a:t>
+            </a:r>
+            <a:r>
+              <a:rPr lang="en-US" sz="2000" i="0" dirty="0">
+                <a:solidFill>
+                  <a:srgbClr val="383F4C"/>
+                </a:solidFill>
+                <a:latin typeface="Lato Light" charset="0"/>
+                <a:ea typeface="Lato Light" charset="0"/>
+                <a:cs typeface="Lato Light" charset="0"/>
+              </a:rPr>
+              <a:t>Endless </a:t>
+            </a:r>
+          </a:p>
+          <a:p>
+            <a:pPr algn="l">
+              <a:buClr>
+                <a:srgbClr val="788691"/>
+              </a:buClr>
+            </a:pPr>
+            <a:endParaRPr lang="en-US" sz="2000" i="0" dirty="0" smtClean="0">
+              <a:solidFill>
+                <a:srgbClr val="383F4C"/>
+              </a:solidFill>
+              <a:latin typeface="Lato Light" charset="0"/>
+              <a:ea typeface="Lato Light" charset="0"/>
+              <a:cs typeface="Lato Light" charset="0"/>
+            </a:endParaRPr>
+          </a:p>
+          <a:p>
+            <a:pPr algn="l">
+              <a:buClr>
+                <a:srgbClr val="788691"/>
+              </a:buClr>
+            </a:pPr>
+            <a:endParaRPr lang="en-US" sz="2000" i="0" dirty="0" smtClean="0">
+              <a:solidFill>
+                <a:srgbClr val="383F4C"/>
+              </a:solidFill>
+              <a:latin typeface="Lato Light" charset="0"/>
+              <a:ea typeface="Lato Light" charset="0"/>
+              <a:cs typeface="Lato Light" charset="0"/>
+            </a:endParaRPr>
+          </a:p>
+          <a:p>
             <a:pPr marL="342900" indent="-342900" algn="l">
               <a:buClr>
-                <a:srgbClr val="A0B1C1"/>
+                <a:srgbClr val="788691"/>
               </a:buClr>
               <a:buFont typeface="Arial" charset="0"/>
               <a:buChar char="•"/>
             </a:pPr>
+            <a:r>
+              <a:rPr lang="en-US" sz="2000" dirty="0" smtClean="0">
+                <a:solidFill>
+                  <a:srgbClr val="383F4C"/>
+                </a:solidFill>
+                <a:latin typeface="Lato" charset="0"/>
+                <a:ea typeface="Lato" charset="0"/>
+                <a:cs typeface="Lato" charset="0"/>
+              </a:rPr>
+              <a:t>Extra </a:t>
+            </a:r>
+            <a:r>
+              <a:rPr lang="en-US" sz="2000" dirty="0">
+                <a:solidFill>
+                  <a:srgbClr val="383F4C"/>
+                </a:solidFill>
+                <a:latin typeface="Lato" charset="0"/>
+                <a:ea typeface="Lato" charset="0"/>
+                <a:cs typeface="Lato" charset="0"/>
+              </a:rPr>
+              <a:t>Features:	</a:t>
+            </a:r>
+            <a:r>
+              <a:rPr lang="en-US" sz="2000" i="0" dirty="0" smtClean="0">
+                <a:solidFill>
+                  <a:srgbClr val="383F4C"/>
+                </a:solidFill>
+                <a:latin typeface="Lato Light" charset="0"/>
+                <a:ea typeface="Lato Light" charset="0"/>
+                <a:cs typeface="Lato Light" charset="0"/>
+              </a:rPr>
+              <a:t>Social sign in feature</a:t>
+            </a:r>
             <a:endParaRPr lang="en-US" sz="2000" i="0" dirty="0">
               <a:solidFill>
                 <a:srgbClr val="383F4C"/>
@@ -5914,10 +7366,77 @@
           <a:p>
             <a:pPr marL="342900" indent="-342900" algn="l">
               <a:buClr>
-                <a:srgbClr val="A0B1C1"/>
+                <a:srgbClr val="788691"/>
               </a:buClr>
               <a:buFont typeface="Arial" charset="0"/>
               <a:buChar char="•"/>
+            </a:pPr>
+            <a:endParaRPr lang="en-US" sz="2000" i="0" dirty="0">
+              <a:solidFill>
+                <a:srgbClr val="383F4C"/>
+              </a:solidFill>
+              <a:latin typeface="Lato Light" charset="0"/>
+              <a:ea typeface="Lato Light" charset="0"/>
+              <a:cs typeface="Lato Light" charset="0"/>
+            </a:endParaRPr>
+          </a:p>
+          <a:p>
+            <a:pPr algn="l">
+              <a:buClr>
+                <a:srgbClr val="788691"/>
+              </a:buClr>
+            </a:pPr>
+            <a:r>
+              <a:rPr lang="en-US" sz="2000" i="0" dirty="0">
+                <a:solidFill>
+                  <a:srgbClr val="383F4C"/>
+                </a:solidFill>
+                <a:latin typeface="Lato Light" charset="0"/>
+                <a:ea typeface="Lato Light" charset="0"/>
+                <a:cs typeface="Lato Light" charset="0"/>
+              </a:rPr>
+              <a:t>			</a:t>
+            </a:r>
+            <a:r>
+              <a:rPr lang="en-US" sz="2000" i="0" dirty="0" smtClean="0">
+                <a:solidFill>
+                  <a:srgbClr val="383F4C"/>
+                </a:solidFill>
+                <a:latin typeface="Lato Light" charset="0"/>
+                <a:ea typeface="Lato Light" charset="0"/>
+                <a:cs typeface="Lato Light" charset="0"/>
+              </a:rPr>
+              <a:t>Google Play integration</a:t>
+            </a:r>
+            <a:endParaRPr lang="en-US" sz="2000" i="0" dirty="0">
+              <a:solidFill>
+                <a:srgbClr val="383F4C"/>
+              </a:solidFill>
+              <a:latin typeface="Lato Light" charset="0"/>
+              <a:ea typeface="Lato Light" charset="0"/>
+              <a:cs typeface="Lato Light" charset="0"/>
+            </a:endParaRPr>
+          </a:p>
+          <a:p>
+            <a:pPr algn="l">
+              <a:buClr>
+                <a:srgbClr val="788691"/>
+              </a:buClr>
+            </a:pPr>
+            <a:endParaRPr lang="en-US" sz="2000" i="0" dirty="0">
+              <a:solidFill>
+                <a:srgbClr val="383F4C"/>
+              </a:solidFill>
+              <a:latin typeface="Lato Light" charset="0"/>
+              <a:ea typeface="Lato Light" charset="0"/>
+              <a:cs typeface="Lato Light" charset="0"/>
+            </a:endParaRPr>
+          </a:p>
+          <a:p>
+            <a:pPr algn="l">
+              <a:buClr>
+                <a:srgbClr val="788691"/>
+              </a:buClr>
             </a:pPr>
             <a:endParaRPr lang="en-US" sz="2000" i="0" dirty="0" smtClean="0">
               <a:solidFill>
@@ -5927,26 +7446,6 @@
               <a:ea typeface="Lato Light" charset="0"/>
               <a:cs typeface="Lato Light" charset="0"/>
             </a:endParaRPr>
-          </a:p>
-          <a:p>
-            <a:pPr marL="342900" indent="-342900" algn="l">
-              <a:buClr>
-                <a:srgbClr val="A0B1C1"/>
-              </a:buClr>
-              <a:buFont typeface="Arial" charset="0"/>
-              <a:buChar char="•"/>
-            </a:pPr>
-            <a:r>
-              <a:rPr lang="en-US" sz="2000" i="0" dirty="0" smtClean="0">
-                <a:solidFill>
-                  <a:srgbClr val="383F4C"/>
-                </a:solidFill>
-                <a:latin typeface="Lato Light" charset="0"/>
-                <a:ea typeface="Lato Light" charset="0"/>
-                <a:cs typeface="Lato Light" charset="0"/>
-              </a:rPr>
-              <a:t>Game mechanics/levels etc..</a:t>
-            </a:r>
           </a:p>
         </p:txBody>
       </p:sp>
@@ -6084,7 +7583,35 @@
             </a:lvl1pPr>
           </a:lstStyle>
           <a:p>
-            <a:pPr algn="l"/>
+            <a:pPr marL="342900" indent="-342900" algn="l">
+              <a:buClr>
+                <a:srgbClr val="A0B1C1"/>
+              </a:buClr>
+              <a:buFont typeface="Arial" charset="0"/>
+              <a:buChar char="•"/>
+            </a:pPr>
+            <a:r>
+              <a:rPr lang="en-US" sz="2000" dirty="0" smtClean="0">
+                <a:solidFill>
+                  <a:srgbClr val="383F4C"/>
+                </a:solidFill>
+                <a:latin typeface="Lato" charset="0"/>
+                <a:ea typeface="Lato" charset="0"/>
+                <a:cs typeface="Lato" charset="0"/>
+              </a:rPr>
+              <a:t>Platform:</a:t>
+            </a:r>
+            <a:r>
+              <a:rPr lang="en-US" sz="2000" i="0" dirty="0">
+                <a:solidFill>
+                  <a:srgbClr val="383F4C"/>
+                </a:solidFill>
+                <a:latin typeface="Lato Light" charset="0"/>
+                <a:ea typeface="Lato Light" charset="0"/>
+                <a:cs typeface="Lato Light" charset="0"/>
+              </a:rPr>
+              <a:t>		</a:t>
+            </a:r>
             <a:r>
               <a:rPr lang="en-US" sz="2000" i="0" dirty="0" smtClean="0">
                 <a:solidFill>
@@ -6094,11 +7621,17 @@
                 <a:ea typeface="Lato Light" charset="0"/>
                 <a:cs typeface="Lato Light" charset="0"/>
               </a:rPr>
-              <a:t>Specs:</a:t>
-            </a:r>
-          </a:p>
-          <a:p>
-            <a:pPr algn="l"/>
+              <a:t>	Android</a:t>
+            </a:r>
+          </a:p>
+          <a:p>
+            <a:pPr marL="342900" indent="-342900" algn="l">
+              <a:buClr>
+                <a:srgbClr val="A0B1C1"/>
+              </a:buClr>
+              <a:buFont typeface="Arial" charset="0"/>
+              <a:buChar char="•"/>
+            </a:pPr>
             <a:endParaRPr lang="en-US" sz="2000" i="0" dirty="0">
               <a:solidFill>
                 <a:srgbClr val="383F4C"/>
@@ -6116,26 +7649,6 @@
               <a:buFont typeface="Arial" charset="0"/>
               <a:buChar char="•"/>
             </a:pPr>
-            <a:r>
-              <a:rPr lang="en-US" sz="2000" i="0" dirty="0" smtClean="0">
-                <a:solidFill>
-                  <a:srgbClr val="383F4C"/>
-                </a:solidFill>
-                <a:latin typeface="Lato Light" charset="0"/>
-                <a:ea typeface="Lato Light" charset="0"/>
-                <a:cs typeface="Lato Light" charset="0"/>
-              </a:rPr>
-              <a:t>Platform:</a:t>
-            </a:r>
-          </a:p>
-          <a:p>
-            <a:pPr marL="342900" indent="-342900" algn="l">
-              <a:buClr>
-                <a:srgbClr val="A0B1C1"/>
-              </a:buClr>
-              <a:buFont typeface="Arial" charset="0"/>
-              <a:buChar char="•"/>
-            </a:pPr>
             <a:endParaRPr lang="en-US" sz="2000" i="0" dirty="0">
               <a:solidFill>
                 <a:srgbClr val="383F4C"/>
@@ -6153,6 +7666,59 @@
               <a:buFont typeface="Arial" charset="0"/>
               <a:buChar char="•"/>
             </a:pPr>
+            <a:r>
+              <a:rPr lang="en-US" sz="2000" dirty="0" smtClean="0">
+                <a:solidFill>
+                  <a:srgbClr val="383F4C"/>
+                </a:solidFill>
+                <a:latin typeface="Lato" charset="0"/>
+                <a:ea typeface="Lato" charset="0"/>
+                <a:cs typeface="Lato" charset="0"/>
+              </a:rPr>
+              <a:t>Version:</a:t>
+            </a:r>
+            <a:r>
+              <a:rPr lang="en-US" sz="2000" i="0" dirty="0">
+                <a:solidFill>
+                  <a:srgbClr val="383F4C"/>
+                </a:solidFill>
+                <a:latin typeface="Lato Light" charset="0"/>
+                <a:ea typeface="Lato Light" charset="0"/>
+                <a:cs typeface="Lato Light" charset="0"/>
+              </a:rPr>
+              <a:t>	</a:t>
+            </a:r>
+            <a:r>
+              <a:rPr lang="en-US" sz="2000" i="0" dirty="0" smtClean="0">
+                <a:solidFill>
+                  <a:srgbClr val="383F4C"/>
+                </a:solidFill>
+                <a:latin typeface="Lato Light" charset="0"/>
+                <a:ea typeface="Lato Light" charset="0"/>
+                <a:cs typeface="Lato Light" charset="0"/>
+              </a:rPr>
+              <a:t>		4.1.x </a:t>
+            </a:r>
+            <a:r>
+              <a:rPr lang="en-US" sz="2000" i="0" dirty="0">
+                <a:solidFill>
+                  <a:srgbClr val="383F4C"/>
+                </a:solidFill>
+                <a:latin typeface="Lato Light" charset="0"/>
+                <a:ea typeface="Lato Light" charset="0"/>
+                <a:cs typeface="Lato Light" charset="0"/>
+              </a:rPr>
+              <a:t>Jelly Bean</a:t>
+            </a:r>
+          </a:p>
+          <a:p>
+            <a:pPr marL="342900" indent="-342900" algn="l">
+              <a:buClr>
+                <a:srgbClr val="A0B1C1"/>
+              </a:buClr>
+              <a:buFont typeface="Arial" charset="0"/>
+              <a:buChar char="•"/>
+            </a:pPr>
             <a:endParaRPr lang="en-US" sz="2000" i="0" dirty="0" smtClean="0">
               <a:solidFill>
                 <a:srgbClr val="383F4C"/>
@@ -6170,6 +7736,45 @@
               <a:buFont typeface="Arial" charset="0"/>
               <a:buChar char="•"/>
             </a:pPr>
+            <a:endParaRPr lang="en-US" sz="2000" i="0" dirty="0">
+              <a:solidFill>
+                <a:srgbClr val="383F4C"/>
+              </a:solidFill>
+              <a:latin typeface="Lato Light" charset="0"/>
+              <a:ea typeface="Lato Light" charset="0"/>
+              <a:cs typeface="Lato Light" charset="0"/>
+            </a:endParaRPr>
+          </a:p>
+          <a:p>
+            <a:pPr marL="342900" indent="-342900" algn="l">
+              <a:buClr>
+                <a:srgbClr val="A0B1C1"/>
+              </a:buClr>
+              <a:buFont typeface="Arial" charset="0"/>
+              <a:buChar char="•"/>
+            </a:pPr>
+            <a:r>
+              <a:rPr lang="en-US" sz="2000" dirty="0">
+                <a:solidFill>
+                  <a:srgbClr val="383F4C"/>
+                </a:solidFill>
+                <a:latin typeface="Lato" charset="0"/>
+                <a:ea typeface="Lato" charset="0"/>
+                <a:cs typeface="Lato" charset="0"/>
+              </a:rPr>
+              <a:t>API:</a:t>
+            </a:r>
+            <a:r>
+              <a:rPr lang="en-US" sz="2000" i="0" dirty="0">
+                <a:solidFill>
+                  <a:srgbClr val="383F4C"/>
+                </a:solidFill>
+                <a:latin typeface="Lato Light" charset="0"/>
+                <a:ea typeface="Lato Light" charset="0"/>
+                <a:cs typeface="Lato Light" charset="0"/>
+              </a:rPr>
+              <a:t>			</a:t>
+            </a:r>
             <a:r>
               <a:rPr lang="en-US" sz="2000" i="0" dirty="0" smtClean="0">
                 <a:solidFill>
@@ -6179,7 +7784,186 @@
                 <a:ea typeface="Lato Light" charset="0"/>
                 <a:cs typeface="Lato Light" charset="0"/>
               </a:rPr>
-              <a:t>Tools:</a:t>
+              <a:t>	16</a:t>
+            </a:r>
+            <a:endParaRPr lang="en-US" sz="2000" i="0" dirty="0">
+              <a:solidFill>
+                <a:srgbClr val="383F4C"/>
+              </a:solidFill>
+              <a:latin typeface="Lato Light" charset="0"/>
+              <a:ea typeface="Lato Light" charset="0"/>
+              <a:cs typeface="Lato Light" charset="0"/>
+            </a:endParaRPr>
+          </a:p>
+          <a:p>
+            <a:pPr marL="342900" indent="-342900" algn="l">
+              <a:buClr>
+                <a:srgbClr val="A0B1C1"/>
+              </a:buClr>
+              <a:buFont typeface="Arial" charset="0"/>
+              <a:buChar char="•"/>
+            </a:pPr>
+            <a:endParaRPr lang="en-US" sz="2000" i="0" dirty="0">
+              <a:solidFill>
+                <a:srgbClr val="383F4C"/>
+              </a:solidFill>
+              <a:latin typeface="Lato Light" charset="0"/>
+              <a:ea typeface="Lato Light" charset="0"/>
+              <a:cs typeface="Lato Light" charset="0"/>
+            </a:endParaRPr>
+          </a:p>
+          <a:p>
+            <a:pPr marL="342900" indent="-342900" algn="l">
+              <a:buClr>
+                <a:srgbClr val="A0B1C1"/>
+              </a:buClr>
+              <a:buFont typeface="Arial" charset="0"/>
+              <a:buChar char="•"/>
+            </a:pPr>
+            <a:endParaRPr lang="en-US" sz="2000" i="0" dirty="0">
+              <a:solidFill>
+                <a:srgbClr val="383F4C"/>
+              </a:solidFill>
+              <a:latin typeface="Lato Light" charset="0"/>
+              <a:ea typeface="Lato Light" charset="0"/>
+              <a:cs typeface="Lato Light" charset="0"/>
+            </a:endParaRPr>
+          </a:p>
+          <a:p>
+            <a:pPr marL="342900" indent="-342900" algn="l">
+              <a:buClr>
+                <a:srgbClr val="A0B1C1"/>
+              </a:buClr>
+              <a:buFont typeface="Arial" charset="0"/>
+              <a:buChar char="•"/>
+            </a:pPr>
+            <a:r>
+              <a:rPr lang="en-US" sz="2000" i="0" dirty="0" smtClean="0">
+                <a:solidFill>
+                  <a:srgbClr val="383F4C"/>
+                </a:solidFill>
+                <a:latin typeface="Lato" charset="0"/>
+                <a:ea typeface="Lato" charset="0"/>
+                <a:cs typeface="Lato" charset="0"/>
+              </a:rPr>
+              <a:t>Design Tools:</a:t>
+            </a:r>
+            <a:r>
+              <a:rPr lang="en-US" sz="2000" i="0" dirty="0">
+                <a:solidFill>
+                  <a:srgbClr val="383F4C"/>
+                </a:solidFill>
+                <a:latin typeface="Lato Light" charset="0"/>
+                <a:ea typeface="Lato Light" charset="0"/>
+                <a:cs typeface="Lato Light" charset="0"/>
+              </a:rPr>
+              <a:t>		</a:t>
+            </a:r>
+            <a:r>
+              <a:rPr lang="en-US" sz="2000" i="0" dirty="0" smtClean="0">
+                <a:solidFill>
+                  <a:srgbClr val="383F4C"/>
+                </a:solidFill>
+                <a:latin typeface="Lato Light" charset="0"/>
+                <a:ea typeface="Lato Light" charset="0"/>
+                <a:cs typeface="Lato Light" charset="0"/>
+              </a:rPr>
+              <a:t>	Adobe Photoshop, Gimp</a:t>
+            </a:r>
+            <a:endParaRPr lang="en-US" sz="2000" i="0" dirty="0">
+              <a:solidFill>
+                <a:srgbClr val="383F4C"/>
+              </a:solidFill>
+              <a:latin typeface="Lato Light" charset="0"/>
+              <a:ea typeface="Lato Light" charset="0"/>
+              <a:cs typeface="Lato Light" charset="0"/>
+            </a:endParaRPr>
+          </a:p>
+          <a:p>
+            <a:pPr marL="342900" indent="-342900" algn="l">
+              <a:buClr>
+                <a:srgbClr val="A0B1C1"/>
+              </a:buClr>
+              <a:buFont typeface="Arial" charset="0"/>
+              <a:buChar char="•"/>
+            </a:pPr>
+            <a:endParaRPr lang="en-US" sz="2000" i="0" dirty="0">
+              <a:solidFill>
+                <a:srgbClr val="383F4C"/>
+              </a:solidFill>
+              <a:latin typeface="Lato Light" charset="0"/>
+              <a:ea typeface="Lato Light" charset="0"/>
+              <a:cs typeface="Lato Light" charset="0"/>
+            </a:endParaRPr>
+          </a:p>
+          <a:p>
+            <a:pPr marL="342900" indent="-342900" algn="l">
+              <a:buClr>
+                <a:srgbClr val="A0B1C1"/>
+              </a:buClr>
+              <a:buFont typeface="Arial" charset="0"/>
+              <a:buChar char="•"/>
+            </a:pPr>
+            <a:endParaRPr lang="en-US" sz="2000" i="0" dirty="0">
+              <a:solidFill>
+                <a:srgbClr val="383F4C"/>
+              </a:solidFill>
+              <a:latin typeface="Lato Light" charset="0"/>
+              <a:ea typeface="Lato Light" charset="0"/>
+              <a:cs typeface="Lato Light" charset="0"/>
+            </a:endParaRPr>
+          </a:p>
+          <a:p>
+            <a:pPr marL="342900" indent="-342900" algn="l">
+              <a:buClr>
+                <a:srgbClr val="A0B1C1"/>
+              </a:buClr>
+              <a:buFont typeface="Arial" charset="0"/>
+              <a:buChar char="•"/>
+            </a:pPr>
+            <a:r>
+              <a:rPr lang="en-US" sz="2000" dirty="0" smtClean="0">
+                <a:solidFill>
+                  <a:srgbClr val="383F4C"/>
+                </a:solidFill>
+                <a:latin typeface="Lato" charset="0"/>
+                <a:ea typeface="Lato" charset="0"/>
+                <a:cs typeface="Lato" charset="0"/>
+              </a:rPr>
+              <a:t>Development Tools:</a:t>
+            </a:r>
+            <a:r>
+              <a:rPr lang="en-US" sz="2000" dirty="0">
+                <a:solidFill>
+                  <a:srgbClr val="383F4C"/>
+                </a:solidFill>
+                <a:latin typeface="Lato" charset="0"/>
+                <a:ea typeface="Lato" charset="0"/>
+                <a:cs typeface="Lato" charset="0"/>
+              </a:rPr>
+              <a:t>	</a:t>
+            </a:r>
+            <a:r>
+              <a:rPr lang="en-US" sz="2000" dirty="0" smtClean="0">
+                <a:solidFill>
+                  <a:srgbClr val="383F4C"/>
+                </a:solidFill>
+                <a:latin typeface="Lato" charset="0"/>
+                <a:ea typeface="Lato" charset="0"/>
+                <a:cs typeface="Lato" charset="0"/>
+              </a:rPr>
+              <a:t>	</a:t>
+            </a:r>
+            <a:r>
+              <a:rPr lang="en-US" sz="2000" i="0" dirty="0" smtClean="0">
+                <a:solidFill>
+                  <a:srgbClr val="383F4C"/>
+                </a:solidFill>
+                <a:latin typeface="Lato Light" charset="0"/>
+                <a:ea typeface="Lato Light" charset="0"/>
+                <a:cs typeface="Lato Light" charset="0"/>
+              </a:rPr>
+              <a:t>Eclipse ADT, Android Studio</a:t>
             </a:r>
           </a:p>
           <a:p>
@@ -6229,21 +8013,67 @@
                 <a:solidFill>
                   <a:srgbClr val="383F4C"/>
                 </a:solidFill>
-                <a:latin typeface="Lato Light" charset="0"/>
-                <a:ea typeface="Lato Light" charset="0"/>
-                <a:cs typeface="Lato Light" charset="0"/>
-              </a:rPr>
-              <a:t>Deploy Targets:</a:t>
-            </a:r>
-          </a:p>
-          <a:p>
-            <a:pPr marL="342900" indent="-342900" algn="l">
-              <a:buClr>
-                <a:srgbClr val="A0B1C1"/>
-              </a:buClr>
-              <a:buFont typeface="Arial" charset="0"/>
-              <a:buChar char="•"/>
-            </a:pPr>
+                <a:latin typeface="Lato" charset="0"/>
+                <a:ea typeface="Lato" charset="0"/>
+                <a:cs typeface="Lato" charset="0"/>
+              </a:rPr>
+              <a:t>Build </a:t>
+            </a:r>
+            <a:r>
+              <a:rPr lang="en-US" sz="2000" i="0" dirty="0">
+                <a:solidFill>
+                  <a:srgbClr val="383F4C"/>
+                </a:solidFill>
+                <a:latin typeface="Lato" charset="0"/>
+                <a:ea typeface="Lato" charset="0"/>
+                <a:cs typeface="Lato" charset="0"/>
+              </a:rPr>
+              <a:t>Tools:</a:t>
+            </a:r>
+            <a:r>
+              <a:rPr lang="en-US" sz="2000" i="0" dirty="0">
+                <a:solidFill>
+                  <a:srgbClr val="383F4C"/>
+                </a:solidFill>
+                <a:latin typeface="Lato Light" charset="0"/>
+                <a:ea typeface="Lato Light" charset="0"/>
+                <a:cs typeface="Lato Light" charset="0"/>
+              </a:rPr>
+              <a:t>	</a:t>
+            </a:r>
+            <a:r>
+              <a:rPr lang="en-US" sz="2000" i="0" dirty="0" smtClean="0">
+                <a:solidFill>
+                  <a:srgbClr val="383F4C"/>
+                </a:solidFill>
+                <a:latin typeface="Lato Light" charset="0"/>
+                <a:ea typeface="Lato Light" charset="0"/>
+                <a:cs typeface="Lato Light" charset="0"/>
+              </a:rPr>
+              <a:t>		Travis CI, </a:t>
+            </a:r>
+            <a:r>
+              <a:rPr lang="en-US" sz="2000" i="0" dirty="0" err="1" smtClean="0">
+                <a:solidFill>
+                  <a:srgbClr val="383F4C"/>
+                </a:solidFill>
+                <a:latin typeface="Lato Light" charset="0"/>
+                <a:ea typeface="Lato Light" charset="0"/>
+                <a:cs typeface="Lato Light" charset="0"/>
+              </a:rPr>
+              <a:t>Gradle</a:t>
+            </a:r>
+            <a:r>
+              <a:rPr lang="en-US" sz="2000" i="0" dirty="0" smtClean="0">
+                <a:solidFill>
+                  <a:srgbClr val="383F4C"/>
+                </a:solidFill>
+                <a:latin typeface="Lato Light" charset="0"/>
+                <a:ea typeface="Lato Light" charset="0"/>
+                <a:cs typeface="Lato Light" charset="0"/>
+              </a:rPr>
+              <a:t>, Maven</a:t>
+            </a:r>
             <a:endParaRPr lang="en-US" sz="2000" i="0" dirty="0">
               <a:solidFill>
                 <a:srgbClr val="383F4C"/>
@@ -6261,7 +8091,7 @@
               <a:buFont typeface="Arial" charset="0"/>
               <a:buChar char="•"/>
             </a:pPr>
-            <a:endParaRPr lang="en-US" sz="2000" i="0" dirty="0" smtClean="0">
+            <a:endParaRPr lang="en-US" sz="2000" i="0" dirty="0">
               <a:solidFill>
                 <a:srgbClr val="383F4C"/>
               </a:solidFill>
@@ -6269,48 +8099,6 @@
               <a:ea typeface="Lato Light" charset="0"/>
               <a:cs typeface="Lato Light" charset="0"/>
             </a:endParaRPr>
-          </a:p>
-          <a:p>
-            <a:pPr marL="342900" indent="-342900" algn="l">
-              <a:buClr>
-                <a:srgbClr val="A0B1C1"/>
-              </a:buClr>
-              <a:buFont typeface="Arial" charset="0"/>
-              <a:buChar char="•"/>
-            </a:pPr>
-            <a:r>
-              <a:rPr lang="en-US" sz="2000" i="0" dirty="0" smtClean="0">
-                <a:solidFill>
-                  <a:srgbClr val="383F4C"/>
-                </a:solidFill>
-                <a:latin typeface="Lato Light" charset="0"/>
-                <a:ea typeface="Lato Light" charset="0"/>
-                <a:cs typeface="Lato Light" charset="0"/>
-              </a:rPr>
-              <a:t>Build API, and potential reach, </a:t>
-            </a:r>
-            <a:r>
-              <a:rPr lang="en-US" sz="2000" i="0" dirty="0" err="1" smtClean="0">
-                <a:solidFill>
-                  <a:srgbClr val="383F4C"/>
-                </a:solidFill>
-                <a:latin typeface="Lato Light" charset="0"/>
-                <a:ea typeface="Lato Light" charset="0"/>
-                <a:cs typeface="Lato Light" charset="0"/>
-              </a:rPr>
-              <a:t>etc</a:t>
-            </a:r>
-            <a:r>
-              <a:rPr lang="en-US" sz="2000" i="0" dirty="0" smtClean="0">
-                <a:solidFill>
-                  <a:srgbClr val="383F4C"/>
-                </a:solidFill>
-                <a:latin typeface="Lato Light" charset="0"/>
-                <a:ea typeface="Lato Light" charset="0"/>
-                <a:cs typeface="Lato Light" charset="0"/>
-              </a:rPr>
-              <a:t> etc..</a:t>
-            </a:r>
           </a:p>
         </p:txBody>
       </p:sp>
@@ -6423,7 +8211,7 @@
         </p:spPr>
         <p:txBody>
           <a:bodyPr vert="horz" lIns="91440" tIns="45720" rIns="91440" bIns="45720" rtlCol="0" anchor="t">
-            <a:normAutofit/>
+            <a:normAutofit fontScale="92500"/>
           </a:bodyPr>
           <a:lstStyle>
             <a:lvl1pPr algn="r" defTabSz="914400" rtl="0" eaLnBrk="1" latinLnBrk="0" hangingPunct="1">
@@ -6458,8 +8246,19 @@
                 <a:ea typeface="Lato Light" charset="0"/>
                 <a:cs typeface="Lato Light" charset="0"/>
               </a:rPr>
-              <a:t>List some issues that may occur</a:t>
-            </a:r>
+              <a:t>Some of the challenges that we may face:</a:t>
+            </a:r>
+          </a:p>
+          <a:p>
+            <a:pPr algn="l"/>
+            <a:endParaRPr lang="en-US" sz="2000" i="0" dirty="0" smtClean="0">
+              <a:solidFill>
+                <a:srgbClr val="383F4C"/>
+              </a:solidFill>
+              <a:latin typeface="Lato Light" charset="0"/>
+              <a:ea typeface="Lato Light" charset="0"/>
+              <a:cs typeface="Lato Light" charset="0"/>
+            </a:endParaRPr>
           </a:p>
           <a:p>
             <a:pPr algn="l"/>
@@ -6481,6 +8280,28 @@
               <a:buChar char="•"/>
             </a:pPr>
             <a:r>
+              <a:rPr lang="en-US" sz="2000" dirty="0" smtClean="0">
+                <a:solidFill>
+                  <a:srgbClr val="383F4C"/>
+                </a:solidFill>
+                <a:latin typeface="Lato" charset="0"/>
+                <a:ea typeface="Lato" charset="0"/>
+                <a:cs typeface="Lato" charset="0"/>
+              </a:rPr>
+              <a:t>Development Device:</a:t>
+            </a:r>
+            <a:r>
+              <a:rPr lang="en-US" sz="2000" i="0" dirty="0">
+                <a:solidFill>
+                  <a:srgbClr val="383F4C"/>
+                </a:solidFill>
+                <a:latin typeface="Lato Light" charset="0"/>
+                <a:ea typeface="Lato Light" charset="0"/>
+                <a:cs typeface="Lato Light" charset="0"/>
+              </a:rPr>
+              <a:t>		</a:t>
+            </a:r>
+            <a:r>
               <a:rPr lang="en-US" sz="2000" i="0" dirty="0" smtClean="0">
                 <a:solidFill>
                   <a:srgbClr val="383F4C"/>
@@ -6489,17 +8310,55 @@
                 <a:ea typeface="Lato Light" charset="0"/>
                 <a:cs typeface="Lato Light" charset="0"/>
               </a:rPr>
-              <a:t>Some challenges</a:t>
-            </a:r>
-          </a:p>
-          <a:p>
-            <a:pPr marL="342900" indent="-342900" algn="l">
+              <a:t>Since we do not own android devices, we have to work with</a:t>
+            </a:r>
+          </a:p>
+          <a:p>
+            <a:pPr algn="l">
               <a:buClr>
                 <a:srgbClr val="A0B1C1"/>
               </a:buClr>
-              <a:buFont typeface="Arial" charset="0"/>
-              <a:buChar char="•"/>
-            </a:pPr>
+            </a:pPr>
+            <a:r>
+              <a:rPr lang="en-US" sz="2000" i="0" dirty="0" smtClean="0">
+                <a:solidFill>
+                  <a:srgbClr val="383F4C"/>
+                </a:solidFill>
+                <a:latin typeface="Lato Light" charset="0"/>
+                <a:ea typeface="Lato Light" charset="0"/>
+                <a:cs typeface="Lato Light" charset="0"/>
+              </a:rPr>
+              <a:t>				emulators, which can be slow, time consuming and often produces</a:t>
+            </a:r>
+          </a:p>
+          <a:p>
+            <a:pPr algn="l">
+              <a:buClr>
+                <a:srgbClr val="A0B1C1"/>
+              </a:buClr>
+            </a:pPr>
+            <a:r>
+              <a:rPr lang="en-US" sz="2000" i="0" dirty="0">
+                <a:solidFill>
+                  <a:srgbClr val="383F4C"/>
+                </a:solidFill>
+                <a:latin typeface="Lato Light" charset="0"/>
+                <a:ea typeface="Lato Light" charset="0"/>
+                <a:cs typeface="Lato Light" charset="0"/>
+              </a:rPr>
+              <a:t>	</a:t>
+            </a:r>
+            <a:r>
+              <a:rPr lang="en-US" sz="2000" i="0" dirty="0" smtClean="0">
+                <a:solidFill>
+                  <a:srgbClr val="383F4C"/>
+                </a:solidFill>
+                <a:latin typeface="Lato Light" charset="0"/>
+                <a:ea typeface="Lato Light" charset="0"/>
+                <a:cs typeface="Lato Light" charset="0"/>
+              </a:rPr>
+              <a:t>			unexpected results on actual devices.</a:t>
+            </a:r>
             <a:endParaRPr lang="en-US" sz="2000" i="0" dirty="0">
               <a:solidFill>
                 <a:srgbClr val="383F4C"/>
@@ -6517,60 +8376,6 @@
               <a:buFont typeface="Arial" charset="0"/>
               <a:buChar char="•"/>
             </a:pPr>
-            <a:endParaRPr lang="en-US" sz="2000" i="0" dirty="0" smtClean="0">
-              <a:solidFill>
-                <a:srgbClr val="383F4C"/>
-              </a:solidFill>
-              <a:latin typeface="Lato Light" charset="0"/>
-              <a:ea typeface="Lato Light" charset="0"/>
-              <a:cs typeface="Lato Light" charset="0"/>
-            </a:endParaRPr>
-          </a:p>
-          <a:p>
-            <a:pPr marL="342900" indent="-342900" algn="l">
-              <a:buClr>
-                <a:srgbClr val="A0B1C1"/>
-              </a:buClr>
-              <a:buFont typeface="Arial" charset="0"/>
-              <a:buChar char="•"/>
-            </a:pPr>
-            <a:r>
-              <a:rPr lang="en-US" sz="2000" i="0" dirty="0" smtClean="0">
-                <a:solidFill>
-                  <a:srgbClr val="383F4C"/>
-                </a:solidFill>
-                <a:latin typeface="Lato Light" charset="0"/>
-                <a:ea typeface="Lato Light" charset="0"/>
-                <a:cs typeface="Lato Light" charset="0"/>
-              </a:rPr>
-              <a:t>With design</a:t>
-            </a:r>
-          </a:p>
-          <a:p>
-            <a:pPr marL="342900" indent="-342900" algn="l">
-              <a:buClr>
-                <a:srgbClr val="A0B1C1"/>
-              </a:buClr>
-              <a:buFont typeface="Arial" charset="0"/>
-              <a:buChar char="•"/>
-            </a:pPr>
-            <a:endParaRPr lang="en-US" sz="2000" i="0" dirty="0" smtClean="0">
-              <a:solidFill>
-                <a:srgbClr val="383F4C"/>
-              </a:solidFill>
-              <a:latin typeface="Lato Light" charset="0"/>
-              <a:ea typeface="Lato Light" charset="0"/>
-              <a:cs typeface="Lato Light" charset="0"/>
-            </a:endParaRPr>
-          </a:p>
-          <a:p>
-            <a:pPr marL="342900" indent="-342900" algn="l">
-              <a:buClr>
-                <a:srgbClr val="A0B1C1"/>
-              </a:buClr>
-              <a:buFont typeface="Arial" charset="0"/>
-              <a:buChar char="•"/>
-            </a:pPr>
             <a:endParaRPr lang="en-US" sz="2000" i="0" dirty="0">
               <a:solidFill>
                 <a:srgbClr val="383F4C"/>
@@ -6588,26 +8393,6 @@
               <a:buFont typeface="Arial" charset="0"/>
               <a:buChar char="•"/>
             </a:pPr>
-            <a:r>
-              <a:rPr lang="en-US" sz="2000" i="0" dirty="0" smtClean="0">
-                <a:solidFill>
-                  <a:srgbClr val="383F4C"/>
-                </a:solidFill>
-                <a:latin typeface="Lato Light" charset="0"/>
-                <a:ea typeface="Lato Light" charset="0"/>
-                <a:cs typeface="Lato Light" charset="0"/>
-              </a:rPr>
-              <a:t>Or with code</a:t>
-            </a:r>
-          </a:p>
-          <a:p>
-            <a:pPr marL="342900" indent="-342900" algn="l">
-              <a:buClr>
-                <a:srgbClr val="A0B1C1"/>
-              </a:buClr>
-              <a:buFont typeface="Arial" charset="0"/>
-              <a:buChar char="•"/>
-            </a:pPr>
             <a:endParaRPr lang="en-US" sz="2000" i="0" dirty="0">
               <a:solidFill>
                 <a:srgbClr val="383F4C"/>
@@ -6625,7 +8410,87 @@
               <a:buFont typeface="Arial" charset="0"/>
               <a:buChar char="•"/>
             </a:pPr>
-            <a:endParaRPr lang="en-US" sz="2000" i="0" dirty="0" smtClean="0">
+            <a:r>
+              <a:rPr lang="en-US" sz="2000" i="0" dirty="0" smtClean="0">
+                <a:solidFill>
+                  <a:srgbClr val="383F4C"/>
+                </a:solidFill>
+                <a:latin typeface="Lato" charset="0"/>
+                <a:ea typeface="Lato" charset="0"/>
+                <a:cs typeface="Lato" charset="0"/>
+              </a:rPr>
+              <a:t>Deployment Device:</a:t>
+            </a:r>
+            <a:r>
+              <a:rPr lang="en-US" sz="2000" i="0" dirty="0">
+                <a:solidFill>
+                  <a:srgbClr val="383F4C"/>
+                </a:solidFill>
+                <a:latin typeface="Lato Light" charset="0"/>
+                <a:ea typeface="Lato Light" charset="0"/>
+                <a:cs typeface="Lato Light" charset="0"/>
+              </a:rPr>
+              <a:t>		</a:t>
+            </a:r>
+            <a:r>
+              <a:rPr lang="en-US" sz="2000" i="0" dirty="0" smtClean="0">
+                <a:solidFill>
+                  <a:srgbClr val="383F4C"/>
+                </a:solidFill>
+                <a:latin typeface="Lato Light" charset="0"/>
+                <a:ea typeface="Lato Light" charset="0"/>
+                <a:cs typeface="Lato Light" charset="0"/>
+              </a:rPr>
+              <a:t>There are numerous android devices in the marketing of all sizes and</a:t>
+            </a:r>
+          </a:p>
+          <a:p>
+            <a:pPr algn="l">
+              <a:buClr>
+                <a:srgbClr val="A0B1C1"/>
+              </a:buClr>
+            </a:pPr>
+            <a:r>
+              <a:rPr lang="en-US" sz="2000" i="0" dirty="0" smtClean="0">
+                <a:solidFill>
+                  <a:srgbClr val="383F4C"/>
+                </a:solidFill>
+                <a:latin typeface="Lato Light" charset="0"/>
+                <a:ea typeface="Lato Light" charset="0"/>
+                <a:cs typeface="Lato Light" charset="0"/>
+              </a:rPr>
+              <a:t>				shapes. The aesthetics and performance can vary vastly from device to</a:t>
+            </a:r>
+          </a:p>
+          <a:p>
+            <a:pPr algn="l">
+              <a:buClr>
+                <a:srgbClr val="A0B1C1"/>
+              </a:buClr>
+            </a:pPr>
+            <a:r>
+              <a:rPr lang="en-US" sz="2000" i="0" dirty="0">
+                <a:solidFill>
+                  <a:srgbClr val="383F4C"/>
+                </a:solidFill>
+                <a:latin typeface="Lato Light" charset="0"/>
+                <a:ea typeface="Lato Light" charset="0"/>
+                <a:cs typeface="Lato Light" charset="0"/>
+              </a:rPr>
+              <a:t>	</a:t>
+            </a:r>
+            <a:r>
+              <a:rPr lang="en-US" sz="2000" i="0" dirty="0" smtClean="0">
+                <a:solidFill>
+                  <a:srgbClr val="383F4C"/>
+                </a:solidFill>
+                <a:latin typeface="Lato Light" charset="0"/>
+                <a:ea typeface="Lato Light" charset="0"/>
+                <a:cs typeface="Lato Light" charset="0"/>
+              </a:rPr>
+              <a:t>			device, and may even be an unpleasant experience  in some.</a:t>
+            </a:r>
+            <a:endParaRPr lang="en-US" sz="2000" i="0" dirty="0">
               <a:solidFill>
                 <a:srgbClr val="383F4C"/>
               </a:solidFill>
@@ -6642,6 +8507,62 @@
               <a:buFont typeface="Arial" charset="0"/>
               <a:buChar char="•"/>
             </a:pPr>
+            <a:endParaRPr lang="en-US" sz="2000" i="0" dirty="0">
+              <a:solidFill>
+                <a:srgbClr val="383F4C"/>
+              </a:solidFill>
+              <a:latin typeface="Lato Light" charset="0"/>
+              <a:ea typeface="Lato Light" charset="0"/>
+              <a:cs typeface="Lato Light" charset="0"/>
+            </a:endParaRPr>
+          </a:p>
+          <a:p>
+            <a:pPr marL="342900" indent="-342900" algn="l">
+              <a:buClr>
+                <a:srgbClr val="A0B1C1"/>
+              </a:buClr>
+              <a:buFont typeface="Arial" charset="0"/>
+              <a:buChar char="•"/>
+            </a:pPr>
+            <a:endParaRPr lang="en-US" sz="2000" i="0" dirty="0">
+              <a:solidFill>
+                <a:srgbClr val="383F4C"/>
+              </a:solidFill>
+              <a:latin typeface="Lato Light" charset="0"/>
+              <a:ea typeface="Lato Light" charset="0"/>
+              <a:cs typeface="Lato Light" charset="0"/>
+            </a:endParaRPr>
+          </a:p>
+          <a:p>
+            <a:pPr marL="342900" indent="-342900" algn="l">
+              <a:buClr>
+                <a:srgbClr val="A0B1C1"/>
+              </a:buClr>
+              <a:buFont typeface="Arial" charset="0"/>
+              <a:buChar char="•"/>
+            </a:pPr>
+            <a:r>
+              <a:rPr lang="en-US" sz="2000" dirty="0" smtClean="0">
+                <a:solidFill>
+                  <a:srgbClr val="383F4C"/>
+                </a:solidFill>
+                <a:latin typeface="Lato" charset="0"/>
+                <a:ea typeface="Lato" charset="0"/>
+                <a:cs typeface="Lato" charset="0"/>
+              </a:rPr>
+              <a:t>Platform Dependency:	</a:t>
+            </a:r>
+            <a:r>
+              <a:rPr lang="en-US" sz="2000" i="0" dirty="0">
+                <a:solidFill>
+                  <a:srgbClr val="383F4C"/>
+                </a:solidFill>
+                <a:latin typeface="Lato Light" charset="0"/>
+                <a:ea typeface="Lato Light" charset="0"/>
+                <a:cs typeface="Lato Light" charset="0"/>
+              </a:rPr>
+              <a:t>	</a:t>
+            </a:r>
             <a:r>
               <a:rPr lang="en-US" sz="2000" i="0" dirty="0" smtClean="0">
                 <a:solidFill>
@@ -6651,8 +8572,127 @@
                 <a:ea typeface="Lato Light" charset="0"/>
                 <a:cs typeface="Lato Light" charset="0"/>
               </a:rPr>
-              <a:t>Or something else..</a:t>
-            </a:r>
+              <a:t>We will be using Android API level 16. The current stable version is 22. </a:t>
+            </a:r>
+            <a:endParaRPr lang="en-US" sz="2000" i="0" dirty="0">
+              <a:solidFill>
+                <a:srgbClr val="383F4C"/>
+              </a:solidFill>
+              <a:latin typeface="Lato Light" charset="0"/>
+              <a:ea typeface="Lato Light" charset="0"/>
+              <a:cs typeface="Lato Light" charset="0"/>
+            </a:endParaRPr>
+          </a:p>
+          <a:p>
+            <a:pPr algn="l">
+              <a:buClr>
+                <a:srgbClr val="A0B1C1"/>
+              </a:buClr>
+            </a:pPr>
+            <a:r>
+              <a:rPr lang="en-US" sz="2000" i="0" dirty="0">
+                <a:solidFill>
+                  <a:srgbClr val="383F4C"/>
+                </a:solidFill>
+                <a:latin typeface="Lato Light" charset="0"/>
+                <a:ea typeface="Lato Light" charset="0"/>
+                <a:cs typeface="Lato Light" charset="0"/>
+              </a:rPr>
+              <a:t>				</a:t>
+            </a:r>
+            <a:r>
+              <a:rPr lang="en-US" sz="2000" i="0" dirty="0" smtClean="0">
+                <a:solidFill>
+                  <a:srgbClr val="383F4C"/>
+                </a:solidFill>
+                <a:latin typeface="Lato Light" charset="0"/>
+                <a:ea typeface="Lato Light" charset="0"/>
+                <a:cs typeface="Lato Light" charset="0"/>
+              </a:rPr>
+              <a:t>Even thought there are very less such devices with API lower than 16 in</a:t>
+            </a:r>
+            <a:endParaRPr lang="en-US" sz="2000" i="0" dirty="0">
+              <a:solidFill>
+                <a:srgbClr val="383F4C"/>
+              </a:solidFill>
+              <a:latin typeface="Lato Light" charset="0"/>
+              <a:ea typeface="Lato Light" charset="0"/>
+              <a:cs typeface="Lato Light" charset="0"/>
+            </a:endParaRPr>
+          </a:p>
+          <a:p>
+            <a:pPr indent="3143250" algn="l">
+              <a:buClr>
+                <a:srgbClr val="A0B1C1"/>
+              </a:buClr>
+            </a:pPr>
+            <a:r>
+              <a:rPr lang="en-US" sz="2000" i="0" dirty="0">
+                <a:solidFill>
+                  <a:srgbClr val="383F4C"/>
+                </a:solidFill>
+                <a:latin typeface="Lato Light" charset="0"/>
+                <a:ea typeface="Lato Light" charset="0"/>
+                <a:cs typeface="Lato Light" charset="0"/>
+              </a:rPr>
+              <a:t>	</a:t>
+            </a:r>
+            <a:r>
+              <a:rPr lang="en-US" sz="2000" i="0" dirty="0" smtClean="0">
+                <a:solidFill>
+                  <a:srgbClr val="383F4C"/>
+                </a:solidFill>
+                <a:latin typeface="Lato Light" charset="0"/>
+                <a:ea typeface="Lato Light" charset="0"/>
+                <a:cs typeface="Lato Light" charset="0"/>
+              </a:rPr>
+              <a:t>the current market, there is still a chance that the user’s device may not</a:t>
+            </a:r>
+            <a:endParaRPr lang="en-US" sz="2000" i="0" dirty="0">
+              <a:solidFill>
+                <a:srgbClr val="383F4C"/>
+              </a:solidFill>
+              <a:latin typeface="Lato Light" charset="0"/>
+              <a:ea typeface="Lato Light" charset="0"/>
+              <a:cs typeface="Lato Light" charset="0"/>
+            </a:endParaRPr>
+          </a:p>
+          <a:p>
+            <a:pPr indent="15875" algn="l">
+              <a:buClr>
+                <a:srgbClr val="A0B1C1"/>
+              </a:buClr>
+            </a:pPr>
+            <a:r>
+              <a:rPr lang="en-US" sz="2000" i="0" dirty="0">
+                <a:solidFill>
+                  <a:srgbClr val="383F4C"/>
+                </a:solidFill>
+                <a:latin typeface="Lato Light" charset="0"/>
+                <a:ea typeface="Lato Light" charset="0"/>
+                <a:cs typeface="Lato Light" charset="0"/>
+              </a:rPr>
+              <a:t>				</a:t>
+            </a:r>
+            <a:r>
+              <a:rPr lang="en-US" sz="2000" i="0" dirty="0" smtClean="0">
+                <a:solidFill>
+                  <a:srgbClr val="383F4C"/>
+                </a:solidFill>
+                <a:latin typeface="Lato Light" charset="0"/>
+                <a:ea typeface="Lato Light" charset="0"/>
+                <a:cs typeface="Lato Light" charset="0"/>
+              </a:rPr>
+              <a:t>support the game.</a:t>
+            </a:r>
+            <a:endParaRPr lang="en-US" sz="2000" i="0" dirty="0">
+              <a:solidFill>
+                <a:srgbClr val="383F4C"/>
+              </a:solidFill>
+              <a:latin typeface="Lato Light" charset="0"/>
+              <a:ea typeface="Lato Light" charset="0"/>
+              <a:cs typeface="Lato Light" charset="0"/>
+            </a:endParaRPr>
           </a:p>
         </p:txBody>
       </p:sp>
@@ -6790,7 +8830,13 @@
             </a:lvl1pPr>
           </a:lstStyle>
           <a:p>
-            <a:pPr algn="l"/>
+            <a:pPr marL="342900" indent="-342900" algn="l">
+              <a:buClr>
+                <a:srgbClr val="A0B1C1"/>
+              </a:buClr>
+              <a:buFont typeface="Arial" charset="0"/>
+              <a:buChar char="•"/>
+            </a:pPr>
             <a:r>
               <a:rPr lang="en-US" sz="2000" i="0" dirty="0" smtClean="0">
                 <a:solidFill>
@@ -6800,11 +8846,83 @@
                 <a:ea typeface="Lato Light" charset="0"/>
                 <a:cs typeface="Lato Light" charset="0"/>
               </a:rPr>
-              <a:t>Intended work schedule  goes here</a:t>
-            </a:r>
-          </a:p>
-          <a:p>
-            <a:pPr algn="l"/>
+              <a:t>Jun 28 – Jul 03:	Concept</a:t>
+            </a:r>
+          </a:p>
+          <a:p>
+            <a:pPr algn="l">
+              <a:buClr>
+                <a:srgbClr val="A0B1C1"/>
+              </a:buClr>
+            </a:pPr>
+            <a:r>
+              <a:rPr lang="en-US" sz="2000" i="0" dirty="0" smtClean="0">
+                <a:solidFill>
+                  <a:srgbClr val="383F4C"/>
+                </a:solidFill>
+                <a:latin typeface="Lato Light" charset="0"/>
+                <a:ea typeface="Lato Light" charset="0"/>
+                <a:cs typeface="Lato Light" charset="0"/>
+              </a:rPr>
+              <a:t>			Mockup design</a:t>
+            </a:r>
+          </a:p>
+          <a:p>
+            <a:pPr algn="l">
+              <a:buClr>
+                <a:srgbClr val="A0B1C1"/>
+              </a:buClr>
+            </a:pPr>
+            <a:r>
+              <a:rPr lang="en-US" sz="2000" i="0" dirty="0" smtClean="0">
+                <a:solidFill>
+                  <a:srgbClr val="383F4C"/>
+                </a:solidFill>
+                <a:latin typeface="Lato Light" charset="0"/>
+                <a:ea typeface="Lato Light" charset="0"/>
+                <a:cs typeface="Lato Light" charset="0"/>
+              </a:rPr>
+              <a:t>			Asset and resource </a:t>
+            </a:r>
+            <a:r>
+              <a:rPr lang="en-US" sz="2000" i="0" dirty="0">
+                <a:solidFill>
+                  <a:srgbClr val="383F4C"/>
+                </a:solidFill>
+                <a:latin typeface="Lato Light" charset="0"/>
+                <a:ea typeface="Lato Light" charset="0"/>
+                <a:cs typeface="Lato Light" charset="0"/>
+              </a:rPr>
+              <a:t>c</a:t>
+            </a:r>
+            <a:r>
+              <a:rPr lang="en-US" sz="2000" i="0" dirty="0" smtClean="0">
+                <a:solidFill>
+                  <a:srgbClr val="383F4C"/>
+                </a:solidFill>
+                <a:latin typeface="Lato Light" charset="0"/>
+                <a:ea typeface="Lato Light" charset="0"/>
+                <a:cs typeface="Lato Light" charset="0"/>
+              </a:rPr>
+              <a:t>reation</a:t>
+            </a:r>
+            <a:endParaRPr lang="en-US" sz="2000" i="0" dirty="0" smtClean="0">
+              <a:solidFill>
+                <a:srgbClr val="383F4C"/>
+              </a:solidFill>
+              <a:latin typeface="Lato Light" charset="0"/>
+              <a:ea typeface="Lato Light" charset="0"/>
+              <a:cs typeface="Lato Light" charset="0"/>
+            </a:endParaRPr>
+          </a:p>
+          <a:p>
+            <a:pPr marL="342900" indent="-342900" algn="l">
+              <a:buClr>
+                <a:srgbClr val="A0B1C1"/>
+              </a:buClr>
+              <a:buFont typeface="Arial" charset="0"/>
+              <a:buChar char="•"/>
+            </a:pPr>
             <a:endParaRPr lang="en-US" sz="2000" i="0" dirty="0">
               <a:solidFill>
                 <a:srgbClr val="383F4C"/>
@@ -6822,17 +8940,14 @@
               <a:buFont typeface="Arial" charset="0"/>
               <a:buChar char="•"/>
             </a:pPr>
-            <a:r>
-              <a:rPr lang="en-US" sz="2000" i="0" dirty="0" smtClean="0">
-                <a:solidFill>
-                  <a:srgbClr val="383F4C"/>
-                </a:solidFill>
-                <a:latin typeface="Lato Light" charset="0"/>
-                <a:ea typeface="Lato Light" charset="0"/>
-                <a:cs typeface="Lato Light" charset="0"/>
-              </a:rPr>
-              <a:t>Random text</a:t>
-            </a:r>
+            <a:endParaRPr lang="en-US" sz="2000" i="0" dirty="0" smtClean="0">
+              <a:solidFill>
+                <a:srgbClr val="383F4C"/>
+              </a:solidFill>
+              <a:latin typeface="Lato Light" charset="0"/>
+              <a:ea typeface="Lato Light" charset="0"/>
+              <a:cs typeface="Lato Light" charset="0"/>
+            </a:endParaRPr>
           </a:p>
           <a:p>
             <a:pPr marL="342900" indent="-342900" algn="l">
@@ -6842,6 +8957,78 @@
               <a:buFont typeface="Arial" charset="0"/>
               <a:buChar char="•"/>
             </a:pPr>
+            <a:endParaRPr lang="en-US" sz="2000" i="0" dirty="0" smtClean="0">
+              <a:solidFill>
+                <a:srgbClr val="383F4C"/>
+              </a:solidFill>
+              <a:latin typeface="Lato Light" charset="0"/>
+              <a:ea typeface="Lato Light" charset="0"/>
+              <a:cs typeface="Lato Light" charset="0"/>
+            </a:endParaRPr>
+          </a:p>
+          <a:p>
+            <a:pPr marL="342900" indent="-342900" algn="l">
+              <a:buClr>
+                <a:srgbClr val="A0B1C1"/>
+              </a:buClr>
+              <a:buFont typeface="Arial" charset="0"/>
+              <a:buChar char="•"/>
+            </a:pPr>
+            <a:r>
+              <a:rPr lang="en-US" sz="2000" i="0" dirty="0" smtClean="0">
+                <a:solidFill>
+                  <a:srgbClr val="383F4C"/>
+                </a:solidFill>
+                <a:latin typeface="Lato Light" charset="0"/>
+                <a:ea typeface="Lato Light" charset="0"/>
+                <a:cs typeface="Lato Light" charset="0"/>
+              </a:rPr>
+              <a:t>Jul 04 </a:t>
+            </a:r>
+            <a:r>
+              <a:rPr lang="en-US" sz="2000" i="0" dirty="0">
+                <a:solidFill>
+                  <a:srgbClr val="383F4C"/>
+                </a:solidFill>
+                <a:latin typeface="Lato Light" charset="0"/>
+                <a:ea typeface="Lato Light" charset="0"/>
+                <a:cs typeface="Lato Light" charset="0"/>
+              </a:rPr>
+              <a:t>– Jul </a:t>
+            </a:r>
+            <a:r>
+              <a:rPr lang="en-US" sz="2000" i="0" dirty="0" smtClean="0">
+                <a:solidFill>
+                  <a:srgbClr val="383F4C"/>
+                </a:solidFill>
+                <a:latin typeface="Lato Light" charset="0"/>
+                <a:ea typeface="Lato Light" charset="0"/>
+                <a:cs typeface="Lato Light" charset="0"/>
+              </a:rPr>
+              <a:t>17:</a:t>
+            </a:r>
+            <a:r>
+              <a:rPr lang="en-US" sz="2000" i="0" dirty="0">
+                <a:solidFill>
+                  <a:srgbClr val="383F4C"/>
+                </a:solidFill>
+                <a:latin typeface="Lato Light" charset="0"/>
+                <a:ea typeface="Lato Light" charset="0"/>
+                <a:cs typeface="Lato Light" charset="0"/>
+              </a:rPr>
+              <a:t>	</a:t>
+            </a:r>
+            <a:r>
+              <a:rPr lang="en-US" sz="2000" i="0" dirty="0" smtClean="0">
+                <a:solidFill>
+                  <a:srgbClr val="383F4C"/>
+                </a:solidFill>
+                <a:latin typeface="Lato Light" charset="0"/>
+                <a:ea typeface="Lato Light" charset="0"/>
+                <a:cs typeface="Lato Light" charset="0"/>
+              </a:rPr>
+              <a:t>Gameplay</a:t>
+            </a:r>
             <a:endParaRPr lang="en-US" sz="2000" i="0" dirty="0">
               <a:solidFill>
                 <a:srgbClr val="383F4C"/>
@@ -6852,6 +9039,80 @@
             </a:endParaRPr>
           </a:p>
           <a:p>
+            <a:pPr algn="l">
+              <a:buClr>
+                <a:srgbClr val="A0B1C1"/>
+              </a:buClr>
+            </a:pPr>
+            <a:r>
+              <a:rPr lang="en-US" sz="2000" i="0" dirty="0">
+                <a:solidFill>
+                  <a:srgbClr val="383F4C"/>
+                </a:solidFill>
+                <a:latin typeface="Lato Light" charset="0"/>
+                <a:ea typeface="Lato Light" charset="0"/>
+                <a:cs typeface="Lato Light" charset="0"/>
+              </a:rPr>
+              <a:t>			</a:t>
+            </a:r>
+            <a:r>
+              <a:rPr lang="en-US" sz="2000" i="0" dirty="0" smtClean="0">
+                <a:solidFill>
+                  <a:srgbClr val="383F4C"/>
+                </a:solidFill>
+                <a:latin typeface="Lato Light" charset="0"/>
+                <a:ea typeface="Lato Light" charset="0"/>
+                <a:cs typeface="Lato Light" charset="0"/>
+              </a:rPr>
+              <a:t>Animations and gestures</a:t>
+            </a:r>
+            <a:endParaRPr lang="en-US" sz="2000" i="0" dirty="0">
+              <a:solidFill>
+                <a:srgbClr val="383F4C"/>
+              </a:solidFill>
+              <a:latin typeface="Lato Light" charset="0"/>
+              <a:ea typeface="Lato Light" charset="0"/>
+              <a:cs typeface="Lato Light" charset="0"/>
+            </a:endParaRPr>
+          </a:p>
+          <a:p>
+            <a:pPr algn="l">
+              <a:buClr>
+                <a:srgbClr val="A0B1C1"/>
+              </a:buClr>
+            </a:pPr>
+            <a:r>
+              <a:rPr lang="en-US" sz="2000" i="0" dirty="0">
+                <a:solidFill>
+                  <a:srgbClr val="383F4C"/>
+                </a:solidFill>
+                <a:latin typeface="Lato Light" charset="0"/>
+                <a:ea typeface="Lato Light" charset="0"/>
+                <a:cs typeface="Lato Light" charset="0"/>
+              </a:rPr>
+              <a:t>			</a:t>
+            </a:r>
+            <a:r>
+              <a:rPr lang="en-US" sz="2000" i="0" dirty="0" smtClean="0">
+                <a:solidFill>
+                  <a:srgbClr val="383F4C"/>
+                </a:solidFill>
+                <a:latin typeface="Lato Light" charset="0"/>
+                <a:ea typeface="Lato Light" charset="0"/>
+                <a:cs typeface="Lato Light" charset="0"/>
+              </a:rPr>
+              <a:t>Scoreboard, awards and achievements</a:t>
+            </a:r>
+            <a:endParaRPr lang="en-US" sz="2000" i="0" dirty="0">
+              <a:solidFill>
+                <a:srgbClr val="383F4C"/>
+              </a:solidFill>
+              <a:latin typeface="Lato Light" charset="0"/>
+              <a:ea typeface="Lato Light" charset="0"/>
+              <a:cs typeface="Lato Light" charset="0"/>
+            </a:endParaRPr>
+          </a:p>
+          <a:p>
             <a:pPr marL="342900" indent="-342900" algn="l">
               <a:buClr>
                 <a:srgbClr val="A0B1C1"/>
@@ -6876,26 +9137,6 @@
               <a:buFont typeface="Arial" charset="0"/>
               <a:buChar char="•"/>
             </a:pPr>
-            <a:r>
-              <a:rPr lang="en-US" sz="2000" i="0" dirty="0" smtClean="0">
-                <a:solidFill>
-                  <a:srgbClr val="383F4C"/>
-                </a:solidFill>
-                <a:latin typeface="Lato Light" charset="0"/>
-                <a:ea typeface="Lato Light" charset="0"/>
-                <a:cs typeface="Lato Light" charset="0"/>
-              </a:rPr>
-              <a:t>Random text</a:t>
-            </a:r>
-          </a:p>
-          <a:p>
-            <a:pPr marL="342900" indent="-342900" algn="l">
-              <a:buClr>
-                <a:srgbClr val="A0B1C1"/>
-              </a:buClr>
-              <a:buFont typeface="Arial" charset="0"/>
-              <a:buChar char="•"/>
-            </a:pPr>
             <a:endParaRPr lang="en-US" sz="2000" i="0" dirty="0" smtClean="0">
               <a:solidFill>
                 <a:srgbClr val="383F4C"/>
@@ -6931,6 +9172,17 @@
               <a:buChar char="•"/>
             </a:pPr>
             <a:r>
+              <a:rPr lang="en-US" sz="2000" i="0" dirty="0">
+                <a:solidFill>
+                  <a:srgbClr val="383F4C"/>
+                </a:solidFill>
+                <a:latin typeface="Lato Light" charset="0"/>
+                <a:ea typeface="Lato Light" charset="0"/>
+                <a:cs typeface="Lato Light" charset="0"/>
+              </a:rPr>
+              <a:t>Jul 1</a:t>
+            </a:r>
+            <a:r>
               <a:rPr lang="en-US" sz="2000" i="0" dirty="0" smtClean="0">
                 <a:solidFill>
                   <a:srgbClr val="383F4C"/>
@@ -6939,17 +9191,52 @@
                 <a:ea typeface="Lato Light" charset="0"/>
                 <a:cs typeface="Lato Light" charset="0"/>
               </a:rPr>
-              <a:t>Random text</a:t>
-            </a:r>
-          </a:p>
-          <a:p>
-            <a:pPr marL="342900" indent="-342900" algn="l">
-              <a:buClr>
-                <a:srgbClr val="A0B1C1"/>
-              </a:buClr>
-              <a:buFont typeface="Arial" charset="0"/>
-              <a:buChar char="•"/>
-            </a:pPr>
+              <a:t>8 </a:t>
+            </a:r>
+            <a:r>
+              <a:rPr lang="en-US" sz="2000" i="0" dirty="0">
+                <a:solidFill>
+                  <a:srgbClr val="383F4C"/>
+                </a:solidFill>
+                <a:latin typeface="Lato Light" charset="0"/>
+                <a:ea typeface="Lato Light" charset="0"/>
+                <a:cs typeface="Lato Light" charset="0"/>
+              </a:rPr>
+              <a:t>– Jul </a:t>
+            </a:r>
+            <a:r>
+              <a:rPr lang="en-US" sz="2000" i="0" dirty="0" smtClean="0">
+                <a:solidFill>
+                  <a:srgbClr val="383F4C"/>
+                </a:solidFill>
+                <a:latin typeface="Lato Light" charset="0"/>
+                <a:ea typeface="Lato Light" charset="0"/>
+                <a:cs typeface="Lato Light" charset="0"/>
+              </a:rPr>
+              <a:t>24:</a:t>
+            </a:r>
+            <a:r>
+              <a:rPr lang="en-US" sz="2000" i="0" dirty="0">
+                <a:solidFill>
+                  <a:srgbClr val="383F4C"/>
+                </a:solidFill>
+                <a:latin typeface="Lato Light" charset="0"/>
+                <a:ea typeface="Lato Light" charset="0"/>
+                <a:cs typeface="Lato Light" charset="0"/>
+              </a:rPr>
+              <a:t>	</a:t>
+            </a:r>
+            <a:r>
+              <a:rPr lang="en-US" sz="2000" i="0" dirty="0" smtClean="0">
+                <a:solidFill>
+                  <a:srgbClr val="383F4C"/>
+                </a:solidFill>
+                <a:latin typeface="Lato Light" charset="0"/>
+                <a:ea typeface="Lato Light" charset="0"/>
+                <a:cs typeface="Lato Light" charset="0"/>
+              </a:rPr>
+              <a:t>Testing</a:t>
+            </a:r>
             <a:endParaRPr lang="en-US" sz="2000" i="0" dirty="0">
               <a:solidFill>
                 <a:srgbClr val="383F4C"/>
@@ -6960,14 +9247,34 @@
             </a:endParaRPr>
           </a:p>
           <a:p>
-            <a:pPr marL="342900" indent="-342900" algn="l">
+            <a:pPr algn="l">
               <a:buClr>
                 <a:srgbClr val="A0B1C1"/>
               </a:buClr>
-              <a:buFont typeface="Arial" charset="0"/>
-              <a:buChar char="•"/>
-            </a:pPr>
-            <a:endParaRPr lang="en-US" sz="2000" i="0" dirty="0" smtClean="0">
+            </a:pPr>
+            <a:r>
+              <a:rPr lang="en-US" sz="2000" i="0" dirty="0">
+                <a:solidFill>
+                  <a:srgbClr val="383F4C"/>
+                </a:solidFill>
+                <a:latin typeface="Lato Light" charset="0"/>
+                <a:ea typeface="Lato Light" charset="0"/>
+                <a:cs typeface="Lato Light" charset="0"/>
+              </a:rPr>
+              <a:t>			</a:t>
+            </a:r>
+            <a:r>
+              <a:rPr lang="en-US" sz="2000" i="0" dirty="0" smtClean="0">
+                <a:solidFill>
+                  <a:srgbClr val="383F4C"/>
+                </a:solidFill>
+                <a:latin typeface="Lato Light" charset="0"/>
+                <a:ea typeface="Lato Light" charset="0"/>
+                <a:cs typeface="Lato Light" charset="0"/>
+              </a:rPr>
+              <a:t>Unlockable items</a:t>
+            </a:r>
+            <a:endParaRPr lang="en-US" sz="2000" i="0" dirty="0">
               <a:solidFill>
                 <a:srgbClr val="383F4C"/>
               </a:solidFill>
@@ -6977,6 +9284,43 @@
             </a:endParaRPr>
           </a:p>
           <a:p>
+            <a:pPr algn="l">
+              <a:buClr>
+                <a:srgbClr val="A0B1C1"/>
+              </a:buClr>
+            </a:pPr>
+            <a:r>
+              <a:rPr lang="en-US" sz="2000" i="0" dirty="0">
+                <a:solidFill>
+                  <a:srgbClr val="383F4C"/>
+                </a:solidFill>
+                <a:latin typeface="Lato Light" charset="0"/>
+                <a:ea typeface="Lato Light" charset="0"/>
+                <a:cs typeface="Lato Light" charset="0"/>
+              </a:rPr>
+              <a:t>			</a:t>
+            </a:r>
+            <a:r>
+              <a:rPr lang="en-US" sz="2000" i="0" dirty="0" smtClean="0">
+                <a:solidFill>
+                  <a:srgbClr val="383F4C"/>
+                </a:solidFill>
+                <a:latin typeface="Lato Light" charset="0"/>
+                <a:ea typeface="Lato Light" charset="0"/>
+                <a:cs typeface="Lato Light" charset="0"/>
+              </a:rPr>
+              <a:t>Refinements and other extra features</a:t>
+            </a:r>
+            <a:endParaRPr lang="en-US" sz="2000" i="0" dirty="0">
+              <a:solidFill>
+                <a:srgbClr val="383F4C"/>
+              </a:solidFill>
+              <a:latin typeface="Lato Light" charset="0"/>
+              <a:ea typeface="Lato Light" charset="0"/>
+              <a:cs typeface="Lato Light" charset="0"/>
+            </a:endParaRPr>
+          </a:p>
+          <a:p>
             <a:pPr marL="342900" indent="-342900" algn="l">
               <a:buClr>
                 <a:srgbClr val="A0B1C1"/>
@@ -6984,17 +9328,14 @@
               <a:buFont typeface="Arial" charset="0"/>
               <a:buChar char="•"/>
             </a:pPr>
-            <a:r>
-              <a:rPr lang="en-US" sz="2000" i="0" dirty="0" smtClean="0">
-                <a:solidFill>
-                  <a:srgbClr val="383F4C"/>
-                </a:solidFill>
-                <a:latin typeface="Lato Light" charset="0"/>
-                <a:ea typeface="Lato Light" charset="0"/>
-                <a:cs typeface="Lato Light" charset="0"/>
-              </a:rPr>
-              <a:t>Random text</a:t>
-            </a:r>
+            <a:endParaRPr lang="en-US" sz="2000" i="0" dirty="0">
+              <a:solidFill>
+                <a:srgbClr val="383F4C"/>
+              </a:solidFill>
+              <a:latin typeface="Lato Light" charset="0"/>
+              <a:ea typeface="Lato Light" charset="0"/>
+              <a:cs typeface="Lato Light" charset="0"/>
+            </a:endParaRPr>
           </a:p>
         </p:txBody>
       </p:sp>
@@ -7182,28 +9523,6 @@
               <a:buChar char="•"/>
             </a:pPr>
             <a:r>
-              <a:rPr lang="en-US" sz="2000" i="0" smtClean="0">
-                <a:solidFill>
-                  <a:srgbClr val="383F4C"/>
-                </a:solidFill>
-                <a:latin typeface="Lato Light" charset="0"/>
-                <a:ea typeface="Lato Light" charset="0"/>
-                <a:cs typeface="Lato Light" charset="0"/>
-              </a:rPr>
-              <a:t>Rebellious </a:t>
-            </a:r>
-            <a:r>
-              <a:rPr lang="en-US" sz="2000" i="0" smtClean="0">
-                <a:solidFill>
-                  <a:srgbClr val="383F4C"/>
-                </a:solidFill>
-                <a:latin typeface="Lato Light" charset="0"/>
-                <a:ea typeface="Lato Light" charset="0"/>
-                <a:cs typeface="Lato Light" charset="0"/>
-              </a:rPr>
-              <a:t>Programmer</a:t>
-            </a:r>
-            <a:r>
               <a:rPr lang="en-US" sz="2000" i="0" dirty="0" smtClean="0">
                 <a:solidFill>
                   <a:srgbClr val="383F4C"/>
@@ -7212,7 +9531,7 @@
                 <a:ea typeface="Lato Light" charset="0"/>
                 <a:cs typeface="Lato Light" charset="0"/>
               </a:rPr>
-              <a:t>	</a:t>
+              <a:t>Rebellious Programmer	</a:t>
             </a:r>
           </a:p>
           <a:p>
@@ -7502,7 +9821,7 @@
                 <a:ea typeface="Lato Light" charset="0"/>
                 <a:cs typeface="Lato Light" charset="0"/>
               </a:rPr>
-              <a:t>Documentation Destroyer</a:t>
+              <a:t>Documentation Apprentice</a:t>
             </a:r>
             <a:endParaRPr lang="en-US" sz="2000" i="0" dirty="0">
               <a:solidFill>
@@ -7824,4 +10143,265 @@
     </a:ext>
   </a:extLst>
 </a:theme>
+</file>
+
+<file path=ppt/theme/theme2.xml><?xml version="1.0" encoding="utf-8"?>
+<a:theme xmlns:a="http://schemas.openxmlformats.org/drawingml/2006/main" name="Office Theme">
+  <a:themeElements>
+    <a:clrScheme name="Office">
+      <a:dk1>
+        <a:sysClr val="windowText" lastClr="000000"/>
+      </a:dk1>
+      <a:lt1>
+        <a:sysClr val="window" lastClr="FFFFFF"/>
+      </a:lt1>
+      <a:dk2>
+        <a:srgbClr val="44546A"/>
+      </a:dk2>
+      <a:lt2>
+        <a:srgbClr val="E7E6E6"/>
+      </a:lt2>
+      <a:accent1>
+        <a:srgbClr val="5B9BD5"/>
+      </a:accent1>
+      <a:accent2>
+        <a:srgbClr val="ED7D31"/>
+      </a:accent2>
+      <a:accent3>
+        <a:srgbClr val="A5A5A5"/>
+      </a:accent3>
+      <a:accent4>
+        <a:srgbClr val="FFC000"/>
+      </a:accent4>
+      <a:accent5>
+        <a:srgbClr val="4472C4"/>
+      </a:accent5>
+      <a:accent6>
+        <a:srgbClr val="70AD47"/>
+      </a:accent6>
+      <a:hlink>
+        <a:srgbClr val="0563C1"/>
+      </a:hlink>
+      <a:folHlink>
+        <a:srgbClr val="954F72"/>
+      </a:folHlink>
+    </a:clrScheme>
+    <a:fontScheme name="Office">
+      <a:majorFont>
+        <a:latin typeface="Calibri Light" panose="020F0302020204030204"/>
+        <a:ea typeface=""/>
+        <a:cs typeface=""/>
+        <a:font script="Jpan" typeface="ＭＳ Ｐゴシック"/>
+        <a:font script="Hang" typeface="맑은 고딕"/>
+        <a:font script="Hans" typeface="宋体"/>
+        <a:font script="Hant" typeface="新細明體"/>
+        <a:font script="Arab" typeface="Times New Roman"/>
+        <a:font script="Hebr" typeface="Times New Roman"/>
+        <a:font script="Thai" typeface="Angsana New"/>
+        <a:font script="Ethi" typeface="Nyala"/>
+        <a:font script="Beng" typeface="Vrinda"/>
+        <a:font script="Gujr" typeface="Shruti"/>
+        <a:font script="Khmr" typeface="MoolBoran"/>
+        <a:font script="Knda" typeface="Tunga"/>
+        <a:font script="Guru" typeface="Raavi"/>
+        <a:font script="Cans" typeface="Euphemia"/>
+        <a:font script="Cher" typeface="Plantagenet Cherokee"/>
+        <a:font script="Yiii" typeface="Microsoft Yi Baiti"/>
+        <a:font script="Tibt" typeface="Microsoft Himalaya"/>
+        <a:font script="Thaa" typeface="MV Boli"/>
+        <a:font script="Deva" typeface="Mangal"/>
+        <a:font script="Telu" typeface="Gautami"/>
+        <a:font script="Taml" typeface="Latha"/>
+        <a:font script="Syrc" typeface="Estrangelo Edessa"/>
+        <a:font script="Orya" typeface="Kalinga"/>
+        <a:font script="Mlym" typeface="Kartika"/>
+        <a:font script="Laoo" typeface="DokChampa"/>
+        <a:font script="Sinh" typeface="Iskoola Pota"/>
+        <a:font script="Mong" typeface="Mongolian Baiti"/>
+        <a:font script="Viet" typeface="Times New Roman"/>
+        <a:font script="Uigh" typeface="Microsoft Uighur"/>
+        <a:font script="Geor" typeface="Sylfaen"/>
+      </a:majorFont>
+      <a:minorFont>
+        <a:latin typeface="Calibri" panose="020F0502020204030204"/>
+        <a:ea typeface=""/>
+        <a:cs typeface=""/>
+        <a:font script="Jpan" typeface="ＭＳ Ｐゴシック"/>
+        <a:font script="Hang" typeface="맑은 고딕"/>
+        <a:font script="Hans" typeface="宋体"/>
+        <a:font script="Hant" typeface="新細明體"/>
+        <a:font script="Arab" typeface="Arial"/>
+        <a:font script="Hebr" typeface="Arial"/>
+        <a:font script="Thai" typeface="Cordia New"/>
+        <a:font script="Ethi" typeface="Nyala"/>
+        <a:font script="Beng" typeface="Vrinda"/>
+        <a:font script="Gujr" typeface="Shruti"/>
+        <a:font script="Khmr" typeface="DaunPenh"/>
+        <a:font script="Knda" typeface="Tunga"/>
+        <a:font script="Guru" typeface="Raavi"/>
+        <a:font script="Cans" typeface="Euphemia"/>
+        <a:font script="Cher" typeface="Plantagenet Cherokee"/>
+        <a:font script="Yiii" typeface="Microsoft Yi Baiti"/>
+        <a:font script="Tibt" typeface="Microsoft Himalaya"/>
+        <a:font script="Thaa" typeface="MV Boli"/>
+        <a:font script="Deva" typeface="Mangal"/>
+        <a:font script="Telu" typeface="Gautami"/>
+        <a:font script="Taml" typeface="Latha"/>
+        <a:font script="Syrc" typeface="Estrangelo Edessa"/>
+        <a:font script="Orya" typeface="Kalinga"/>
+        <a:font script="Mlym" typeface="Kartika"/>
+        <a:font script="Laoo" typeface="DokChampa"/>
+        <a:font script="Sinh" typeface="Iskoola Pota"/>
+        <a:font script="Mong" typeface="Mongolian Baiti"/>
+        <a:font script="Viet" typeface="Arial"/>
+        <a:font script="Uigh" typeface="Microsoft Uighur"/>
+        <a:font script="Geor" typeface="Sylfaen"/>
+      </a:minorFont>
+    </a:fontScheme>
+    <a:fmtScheme name="Office">
+      <a:fillStyleLst>
+        <a:solidFill>
+          <a:schemeClr val="phClr"/>
+        </a:solidFill>
+        <a:gradFill rotWithShape="1">
+          <a:gsLst>
+            <a:gs pos="0">
+              <a:schemeClr val="phClr">
+                <a:lumMod val="110000"/>
+                <a:satMod val="105000"/>
+                <a:tint val="67000"/>
+              </a:schemeClr>
+            </a:gs>
+            <a:gs pos="50000">
+              <a:schemeClr val="phClr">
+                <a:lumMod val="105000"/>
+                <a:satMod val="103000"/>
+                <a:tint val="73000"/>
+              </a:schemeClr>
+            </a:gs>
+            <a:gs pos="100000">
+              <a:schemeClr val="phClr">
+                <a:lumMod val="105000"/>
+                <a:satMod val="109000"/>
+                <a:tint val="81000"/>
+              </a:schemeClr>
+            </a:gs>
+          </a:gsLst>
+          <a:lin ang="5400000" scaled="0"/>
+        </a:gradFill>
+        <a:gradFill rotWithShape="1">
+          <a:gsLst>
+            <a:gs pos="0">
+              <a:schemeClr val="phClr">
+                <a:satMod val="103000"/>
+                <a:lumMod val="102000"/>
+                <a:tint val="94000"/>
+              </a:schemeClr>
+            </a:gs>
+            <a:gs pos="50000">
+              <a:schemeClr val="phClr">
+                <a:satMod val="110000"/>
+                <a:lumMod val="100000"/>
+                <a:shade val="100000"/>
+              </a:schemeClr>
+            </a:gs>
+            <a:gs pos="100000">
+              <a:schemeClr val="phClr">
+                <a:lumMod val="99000"/>
+                <a:satMod val="120000"/>
+                <a:shade val="78000"/>
+              </a:schemeClr>
+            </a:gs>
+          </a:gsLst>
+          <a:lin ang="5400000" scaled="0"/>
+        </a:gradFill>
+      </a:fillStyleLst>
+      <a:lnStyleLst>
+        <a:ln w="6350" cap="flat" cmpd="sng" algn="ctr">
+          <a:solidFill>
+            <a:schemeClr val="phClr"/>
+          </a:solidFill>
+          <a:prstDash val="solid"/>
+          <a:miter lim="800000"/>
+        </a:ln>
+        <a:ln w="12700" cap="flat" cmpd="sng" algn="ctr">
+          <a:solidFill>
+            <a:schemeClr val="phClr"/>
+          </a:solidFill>
+          <a:prstDash val="solid"/>
+          <a:miter lim="800000"/>
+        </a:ln>
+        <a:ln w="19050" cap="flat" cmpd="sng" algn="ctr">
+          <a:solidFill>
+            <a:schemeClr val="phClr"/>
+          </a:solidFill>
+          <a:prstDash val="solid"/>
+          <a:miter lim="800000"/>
+        </a:ln>
+      </a:lnStyleLst>
+      <a:effectStyleLst>
+        <a:effectStyle>
+          <a:effectLst/>
+        </a:effectStyle>
+        <a:effectStyle>
+          <a:effectLst/>
+        </a:effectStyle>
+        <a:effectStyle>
+          <a:effectLst>
+            <a:outerShdw blurRad="57150" dist="19050" dir="5400000" algn="ctr" rotWithShape="0">
+              <a:srgbClr val="000000">
+                <a:alpha val="63000"/>
+              </a:srgbClr>
+            </a:outerShdw>
+          </a:effectLst>
+        </a:effectStyle>
+      </a:effectStyleLst>
+      <a:bgFillStyleLst>
+        <a:solidFill>
+          <a:schemeClr val="phClr"/>
+        </a:solidFill>
+        <a:solidFill>
+          <a:schemeClr val="phClr">
+            <a:tint val="95000"/>
+            <a:satMod val="170000"/>
+          </a:schemeClr>
+        </a:solidFill>
+        <a:gradFill rotWithShape="1">
+          <a:gsLst>
+            <a:gs pos="0">
+              <a:schemeClr val="phClr">
+                <a:tint val="93000"/>
+                <a:satMod val="150000"/>
+                <a:shade val="98000"/>
+                <a:lumMod val="102000"/>
+              </a:schemeClr>
+            </a:gs>
+            <a:gs pos="50000">
+              <a:schemeClr val="phClr">
+                <a:tint val="98000"/>
+                <a:satMod val="130000"/>
+                <a:shade val="90000"/>
+                <a:lumMod val="103000"/>
+              </a:schemeClr>
+            </a:gs>
+            <a:gs pos="100000">
+              <a:schemeClr val="phClr">
+                <a:shade val="63000"/>
+                <a:satMod val="120000"/>
+              </a:schemeClr>
+            </a:gs>
+          </a:gsLst>
+          <a:lin ang="5400000" scaled="0"/>
+        </a:gradFill>
+      </a:bgFillStyleLst>
+    </a:fmtScheme>
+  </a:themeElements>
+  <a:objectDefaults/>
+  <a:extraClrSchemeLst/>
+  <a:extLst>
+    <a:ext uri="{05A4C25C-085E-4340-85A3-A5531E510DB2}">
+      <thm15:themeFamily xmlns:thm15="http://schemas.microsoft.com/office/thememl/2012/main" name="Office Theme" id="{62F939B6-93AF-4DB8-9C6B-D6C7DFDC589F}" vid="{4A3C46E8-61CC-4603-A589-7422A47A8E4A}"/>
+    </a:ext>
+  </a:extLst>
+</a:theme>
 </file>